--- a/ppt/slideshow.pptx
+++ b/ppt/slideshow.pptx
@@ -1,117 +1,58 @@
 
-<file path=ppt/presentation.xml><?xml version="1.0" encoding="utf-8"?>
-<p:presentation xmlns:a="http://schemas.openxmlformats.org/drawingml/2006/main" xmlns:r="http://schemas.openxmlformats.org/officeDocument/2006/relationships" xmlns:p="http://schemas.openxmlformats.org/presentationml/2006/main" saveSubsetFonts="1">
-  <p:sldMasterIdLst>
-    <p:sldMasterId id="2147483648" r:id="rId1"/>
-  </p:sldMasterIdLst>
-  <p:notesMasterIdLst>
-    <p:notesMasterId r:id="rId3"/>
-  </p:notesMasterIdLst>
-  <p:sldIdLst>
-    <p:sldId id="256" r:id="rId2"/>
-    <p:sldId id="257" r:id="rId8"/>
-  </p:sldIdLst>
-  <p:sldSz cx="9144000" cy="6858000" type="screen4x3"/>
-  <p:notesSz cx="6858000" cy="9144000"/>
-  <p:defaultTextStyle>
-    <a:defPPr>
-      <a:defRPr lang="en-US"/>
-    </a:defPPr>
-    <a:lvl1pPr marL="0" algn="l" defTabSz="914400" rtl="0" eaLnBrk="1" latinLnBrk="0" hangingPunct="1">
-      <a:defRPr sz="1800" kern="1200">
-        <a:solidFill>
-          <a:schemeClr val="tx1"/>
-        </a:solidFill>
-        <a:latin typeface="+mn-lt"/>
-        <a:ea typeface="+mn-ea"/>
-        <a:cs typeface="+mn-cs"/>
-      </a:defRPr>
-    </a:lvl1pPr>
-    <a:lvl2pPr marL="457200" algn="l" defTabSz="914400" rtl="0" eaLnBrk="1" latinLnBrk="0" hangingPunct="1">
-      <a:defRPr sz="1800" kern="1200">
-        <a:solidFill>
-          <a:schemeClr val="tx1"/>
-        </a:solidFill>
-        <a:latin typeface="+mn-lt"/>
-        <a:ea typeface="+mn-ea"/>
-        <a:cs typeface="+mn-cs"/>
-      </a:defRPr>
-    </a:lvl2pPr>
-    <a:lvl3pPr marL="914400" algn="l" defTabSz="914400" rtl="0" eaLnBrk="1" latinLnBrk="0" hangingPunct="1">
-      <a:defRPr sz="1800" kern="1200">
-        <a:solidFill>
-          <a:schemeClr val="tx1"/>
-        </a:solidFill>
-        <a:latin typeface="+mn-lt"/>
-        <a:ea typeface="+mn-ea"/>
-        <a:cs typeface="+mn-cs"/>
-      </a:defRPr>
-    </a:lvl3pPr>
-    <a:lvl4pPr marL="1371600" algn="l" defTabSz="914400" rtl="0" eaLnBrk="1" latinLnBrk="0" hangingPunct="1">
-      <a:defRPr sz="1800" kern="1200">
-        <a:solidFill>
-          <a:schemeClr val="tx1"/>
-        </a:solidFill>
-        <a:latin typeface="+mn-lt"/>
-        <a:ea typeface="+mn-ea"/>
-        <a:cs typeface="+mn-cs"/>
-      </a:defRPr>
-    </a:lvl4pPr>
-    <a:lvl5pPr marL="1828800" algn="l" defTabSz="914400" rtl="0" eaLnBrk="1" latinLnBrk="0" hangingPunct="1">
-      <a:defRPr sz="1800" kern="1200">
-        <a:solidFill>
-          <a:schemeClr val="tx1"/>
-        </a:solidFill>
-        <a:latin typeface="+mn-lt"/>
-        <a:ea typeface="+mn-ea"/>
-        <a:cs typeface="+mn-cs"/>
-      </a:defRPr>
-    </a:lvl5pPr>
-    <a:lvl6pPr marL="2286000" algn="l" defTabSz="914400" rtl="0" eaLnBrk="1" latinLnBrk="0" hangingPunct="1">
-      <a:defRPr sz="1800" kern="1200">
-        <a:solidFill>
-          <a:schemeClr val="tx1"/>
-        </a:solidFill>
-        <a:latin typeface="+mn-lt"/>
-        <a:ea typeface="+mn-ea"/>
-        <a:cs typeface="+mn-cs"/>
-      </a:defRPr>
-    </a:lvl6pPr>
-    <a:lvl7pPr marL="2743200" algn="l" defTabSz="914400" rtl="0" eaLnBrk="1" latinLnBrk="0" hangingPunct="1">
-      <a:defRPr sz="1800" kern="1200">
-        <a:solidFill>
-          <a:schemeClr val="tx1"/>
-        </a:solidFill>
-        <a:latin typeface="+mn-lt"/>
-        <a:ea typeface="+mn-ea"/>
-        <a:cs typeface="+mn-cs"/>
-      </a:defRPr>
-    </a:lvl7pPr>
-    <a:lvl8pPr marL="3200400" algn="l" defTabSz="914400" rtl="0" eaLnBrk="1" latinLnBrk="0" hangingPunct="1">
-      <a:defRPr sz="1800" kern="1200">
-        <a:solidFill>
-          <a:schemeClr val="tx1"/>
-        </a:solidFill>
-        <a:latin typeface="+mn-lt"/>
-        <a:ea typeface="+mn-ea"/>
-        <a:cs typeface="+mn-cs"/>
-      </a:defRPr>
-    </a:lvl8pPr>
-    <a:lvl9pPr marL="3657600" algn="l" defTabSz="914400" rtl="0" eaLnBrk="1" latinLnBrk="0" hangingPunct="1">
-      <a:defRPr sz="1800" kern="1200">
-        <a:solidFill>
-          <a:schemeClr val="tx1"/>
-        </a:solidFill>
-        <a:latin typeface="+mn-lt"/>
-        <a:ea typeface="+mn-ea"/>
-        <a:cs typeface="+mn-cs"/>
-      </a:defRPr>
-    </a:lvl9pPr>
-  </p:defaultTextStyle>
-</p:presentation>
+<file path=docProps\app.xml><?xml version="1.0" encoding="utf-8"?>
+<Properties xmlns="http://schemas.openxmlformats.org/officeDocument/2006/extended-properties" xmlns:vt="http://schemas.openxmlformats.org/officeDocument/2006/docPropsVTypes">
+  <TotalTime>0</TotalTime>
+  <Words>3</Words>
+  <Application>Microsoft Office PowerPoint</Application>
+  <PresentationFormat>On-screen Show (4:3)</PresentationFormat>
+  <Paragraphs>2</Paragraphs>
+  <Slides>1</Slides>
+  <Notes>1</Notes>
+  <HiddenSlides>0</HiddenSlides>
+  <MMClips>0</MMClips>
+  <ScaleCrop>false</ScaleCrop>
+  <HeadingPairs>
+    <vt:vector size="4" baseType="variant">
+      <vt:variant>
+        <vt:lpstr>Theme</vt:lpstr>
+      </vt:variant>
+      <vt:variant>
+        <vt:i4>1</vt:i4>
+      </vt:variant>
+      <vt:variant>
+        <vt:lpstr>Slide Titles</vt:lpstr>
+      </vt:variant>
+      <vt:variant>
+        <vt:i4>1</vt:i4>
+      </vt:variant>
+    </vt:vector>
+  </HeadingPairs>
+  <TitlesOfParts>
+    <vt:vector size="2" baseType="lpstr">
+      <vt:lpstr>Office Theme</vt:lpstr>
+      <vt:lpstr>PowerPoint Presentation</vt:lpstr>
+    </vt:vector>
+  </TitlesOfParts>
+  <Company/>
+  <LinksUpToDate>false</LinksUpToDate>
+  <SharedDoc>false</SharedDoc>
+  <HyperlinksChanged>false</HyperlinksChanged>
+  <AppVersion>14.0000</AppVersion>
+</Properties>
 </file>
 
-<file path=ppt/notesMasters/notesMaster1.xml><?xml version="1.0" encoding="utf-8"?>
+<file path=docProps\core.xml><?xml version="1.0" encoding="utf-8"?>
+<coreProperties xmlns="http://schemas.openxmlformats.org/package/2006/metadata/core-properties" xmlns:cp="http://schemas.openxmlformats.org/package/2006/metadata/core-properties" xmlns:dc="http://purl.org/dc/elements/1.1/" xmlns:dcterms="http://purl.org/dc/terms/" xmlns:xsi="http://www.w3.org/2001/XMLSchema-instance">
+  <dcterms:created xsi:type="dcterms:W3CDTF">2006-08-16T00:00:00Z</dcterms:created>
+  <dc:creator>Asterix</dc:creator>
+  <lastModifiedBy>Asterix</lastModifiedBy>
+  <dcterms:modified xsi:type="dcterms:W3CDTF">2012-11-21T16:37:59Z</dcterms:modified>
+  <revision>3</revision>
+  <dc:title>PowerPoint Presentation</dc:title>
+</coreProperties>
+</file>
+
+<file path=ppt\notesMasters\notesMaster1.xml><?xml version="1.0" encoding="utf-8"?>
 <p:notesMaster xmlns:a="http://schemas.openxmlformats.org/drawingml/2006/main" xmlns:r="http://schemas.openxmlformats.org/officeDocument/2006/relationships" xmlns:p="http://schemas.openxmlformats.org/presentationml/2006/main">
   <p:cSld>
     <p:bg>
@@ -193,7 +134,7 @@
           <a:p>
             <a:fld id="{E0FF8BF4-F46E-47D4-8403-C880060200F8}" type="datetimeFigureOut">
               <a:rPr lang="en-US" smtClean="0"/>
-              <a:t>11/20/2012</a:t>
+              <a:t>11/21/2012</a:t>
             </a:fld>
             <a:endParaRPr lang="en-US"/>
           </a:p>
@@ -461,7 +402,7 @@
 </p:notesMaster>
 </file>
 
-<file path=ppt/notesSlides/notesSlide1.xml><?xml version="1.0" encoding="utf-8"?>
+<file path=ppt\notesSlides\notesSlide1.xml><?xml version="1.0" encoding="utf-8"?>
 <p:notes xmlns:a="http://schemas.openxmlformats.org/drawingml/2006/main" xmlns:r="http://schemas.openxmlformats.org/officeDocument/2006/relationships" xmlns:p="http://schemas.openxmlformats.org/presentationml/2006/main">
   <p:cSld>
     <p:spTree>
@@ -549,7 +490,397 @@
 </p:notes>
 </file>
 
-<file path=ppt/slideLayouts/slideLayout1.xml><?xml version="1.0" encoding="utf-8"?>
+<file path=ppt\notesSlides\notesSlide2.xml><?xml version="1.0" encoding="utf-8"?>
+<p:notes xmlns:a="http://schemas.openxmlformats.org/drawingml/2006/main" xmlns:r="http://schemas.openxmlformats.org/officeDocument/2006/relationships" xmlns:p="http://schemas.openxmlformats.org/presentationml/2006/main">
+  <p:cSld>
+    <p:spTree>
+      <p:nvGrpSpPr>
+        <p:cNvPr id="1" name=""/>
+        <p:cNvGrpSpPr/>
+        <p:nvPr/>
+      </p:nvGrpSpPr>
+      <p:grpSpPr>
+        <a:xfrm>
+          <a:off x="0" y="0"/>
+          <a:ext cx="0" cy="0"/>
+          <a:chOff x="0" y="0"/>
+          <a:chExt cx="0" cy="0"/>
+        </a:xfrm>
+      </p:grpSpPr>
+      <p:sp>
+        <p:nvSpPr>
+          <p:cNvPr id="2" name="Slide Image Placeholder 1"/>
+          <p:cNvSpPr>
+            <a:spLocks noGrp="1" noRot="1" noChangeAspect="1"/>
+          </p:cNvSpPr>
+          <p:nvPr>
+            <p:ph type="sldImg"/>
+          </p:nvPr>
+        </p:nvSpPr>
+        <p:spPr/>
+      </p:sp>
+      <p:sp>
+        <p:nvSpPr>
+          <p:cNvPr id="3" name="Notes Placeholder 2"/>
+          <p:cNvSpPr>
+            <a:spLocks noGrp="1"/>
+          </p:cNvSpPr>
+          <p:nvPr>
+            <p:ph type="body" idx="1"/>
+          </p:nvPr>
+        </p:nvSpPr>
+        <p:spPr/>
+        <p:txBody>
+          <a:bodyPr/>
+          <a:lstStyle/>
+          <a:p>
+            <a:r>
+              <a:rPr lang="en-US" smtClean="0"/>
+              <a:t>The biggest value in the column AVG is 51.8077</a:t>
+            </a:r>
+            <a:endParaRPr lang="en-US"/>
+          </a:p>
+        </p:txBody>
+      </p:sp>
+      <p:sp>
+        <p:nvSpPr>
+          <p:cNvPr id="4" name="Slide Number Placeholder 3"/>
+          <p:cNvSpPr>
+            <a:spLocks noGrp="1"/>
+          </p:cNvSpPr>
+          <p:nvPr>
+            <p:ph type="sldNum" sz="quarter" idx="10"/>
+          </p:nvPr>
+        </p:nvSpPr>
+        <p:spPr/>
+        <p:txBody>
+          <a:bodyPr/>
+          <a:lstStyle/>
+          <a:p>
+            <a:fld id="{16159E77-4725-4CB7-9EC4-5EC2DD79573E}" type="slidenum">
+              <a:rPr lang="en-US" smtClean="0"/>
+              <a:t>1</a:t>
+            </a:fld>
+            <a:endParaRPr lang="en-US"/>
+          </a:p>
+        </p:txBody>
+      </p:sp>
+    </p:spTree>
+    <p:extLst>
+      <p:ext uri="{BB962C8B-B14F-4D97-AF65-F5344CB8AC3E}">
+        <p14:creationId xmlns:p14="http://schemas.microsoft.com/office/powerpoint/2010/main" val="14536787"/>
+      </p:ext>
+    </p:extLst>
+  </p:cSld>
+  <p:clrMapOvr>
+    <a:masterClrMapping/>
+  </p:clrMapOvr>
+</p:notes>
+</file>
+
+<file path=ppt\notesSlides\notesSlide3.xml><?xml version="1.0" encoding="utf-8"?>
+<p:notes xmlns:a="http://schemas.openxmlformats.org/drawingml/2006/main" xmlns:r="http://schemas.openxmlformats.org/officeDocument/2006/relationships" xmlns:p="http://schemas.openxmlformats.org/presentationml/2006/main">
+  <p:cSld>
+    <p:spTree>
+      <p:nvGrpSpPr>
+        <p:cNvPr id="1" name=""/>
+        <p:cNvGrpSpPr/>
+        <p:nvPr/>
+      </p:nvGrpSpPr>
+      <p:grpSpPr>
+        <a:xfrm>
+          <a:off x="0" y="0"/>
+          <a:ext cx="0" cy="0"/>
+          <a:chOff x="0" y="0"/>
+          <a:chExt cx="0" cy="0"/>
+        </a:xfrm>
+      </p:grpSpPr>
+      <p:sp>
+        <p:nvSpPr>
+          <p:cNvPr id="2" name="Slide Image Placeholder 1"/>
+          <p:cNvSpPr>
+            <a:spLocks noGrp="1" noRot="1" noChangeAspect="1"/>
+          </p:cNvSpPr>
+          <p:nvPr>
+            <p:ph type="sldImg"/>
+          </p:nvPr>
+        </p:nvSpPr>
+        <p:spPr/>
+      </p:sp>
+      <p:sp>
+        <p:nvSpPr>
+          <p:cNvPr id="3" name="Notes Placeholder 2"/>
+          <p:cNvSpPr>
+            <a:spLocks noGrp="1"/>
+          </p:cNvSpPr>
+          <p:nvPr>
+            <p:ph type="body" idx="1"/>
+          </p:nvPr>
+        </p:nvSpPr>
+        <p:spPr/>
+        <p:txBody>
+          <a:bodyPr/>
+          <a:lstStyle/>
+          <a:p>
+            <a:r>
+              <a:rPr lang="en-US" smtClean="0"/>
+              <a:t>The biggest value in the column AVG is 40.0</a:t>
+            </a:r>
+            <a:endParaRPr lang="en-US"/>
+          </a:p>
+        </p:txBody>
+      </p:sp>
+      <p:sp>
+        <p:nvSpPr>
+          <p:cNvPr id="4" name="Slide Number Placeholder 3"/>
+          <p:cNvSpPr>
+            <a:spLocks noGrp="1"/>
+          </p:cNvSpPr>
+          <p:nvPr>
+            <p:ph type="sldNum" sz="quarter" idx="10"/>
+          </p:nvPr>
+        </p:nvSpPr>
+        <p:spPr/>
+        <p:txBody>
+          <a:bodyPr/>
+          <a:lstStyle/>
+          <a:p>
+            <a:fld id="{16159E77-4725-4CB7-9EC4-5EC2DD79573E}" type="slidenum">
+              <a:rPr lang="en-US" smtClean="0"/>
+              <a:t>1</a:t>
+            </a:fld>
+            <a:endParaRPr lang="en-US"/>
+          </a:p>
+        </p:txBody>
+      </p:sp>
+    </p:spTree>
+    <p:extLst>
+      <p:ext uri="{BB962C8B-B14F-4D97-AF65-F5344CB8AC3E}">
+        <p14:creationId xmlns:p14="http://schemas.microsoft.com/office/powerpoint/2010/main" val="14536787"/>
+      </p:ext>
+    </p:extLst>
+  </p:cSld>
+  <p:clrMapOvr>
+    <a:masterClrMapping/>
+  </p:clrMapOvr>
+</p:notes>
+</file>
+
+<file path=ppt\notesSlides\notesSlide4.xml><?xml version="1.0" encoding="utf-8"?>
+<p:notes xmlns:a="http://schemas.openxmlformats.org/drawingml/2006/main" xmlns:r="http://schemas.openxmlformats.org/officeDocument/2006/relationships" xmlns:p="http://schemas.openxmlformats.org/presentationml/2006/main">
+  <p:cSld>
+    <p:spTree>
+      <p:nvGrpSpPr>
+        <p:cNvPr id="1" name=""/>
+        <p:cNvGrpSpPr/>
+        <p:nvPr/>
+      </p:nvGrpSpPr>
+      <p:grpSpPr>
+        <a:xfrm>
+          <a:off x="0" y="0"/>
+          <a:ext cx="0" cy="0"/>
+          <a:chOff x="0" y="0"/>
+          <a:chExt cx="0" cy="0"/>
+        </a:xfrm>
+      </p:grpSpPr>
+      <p:sp>
+        <p:nvSpPr>
+          <p:cNvPr id="2" name="Slide Image Placeholder 1"/>
+          <p:cNvSpPr>
+            <a:spLocks noGrp="1" noRot="1" noChangeAspect="1"/>
+          </p:cNvSpPr>
+          <p:nvPr>
+            <p:ph type="sldImg"/>
+          </p:nvPr>
+        </p:nvSpPr>
+        <p:spPr/>
+      </p:sp>
+      <p:sp>
+        <p:nvSpPr>
+          <p:cNvPr id="3" name="Notes Placeholder 2"/>
+          <p:cNvSpPr>
+            <a:spLocks noGrp="1"/>
+          </p:cNvSpPr>
+          <p:nvPr>
+            <p:ph type="body" idx="1"/>
+          </p:nvPr>
+        </p:nvSpPr>
+        <p:spPr/>
+        <p:txBody>
+          <a:bodyPr/>
+          <a:lstStyle/>
+          <a:p>
+            <a:r>
+              <a:rPr lang="en-US" smtClean="0"/>
+              <a:t>The biggest value in the column AVG is 58.2</a:t>
+            </a:r>
+            <a:endParaRPr lang="en-US"/>
+          </a:p>
+        </p:txBody>
+      </p:sp>
+      <p:sp>
+        <p:nvSpPr>
+          <p:cNvPr id="4" name="Slide Number Placeholder 3"/>
+          <p:cNvSpPr>
+            <a:spLocks noGrp="1"/>
+          </p:cNvSpPr>
+          <p:nvPr>
+            <p:ph type="sldNum" sz="quarter" idx="10"/>
+          </p:nvPr>
+        </p:nvSpPr>
+        <p:spPr/>
+        <p:txBody>
+          <a:bodyPr/>
+          <a:lstStyle/>
+          <a:p>
+            <a:fld id="{16159E77-4725-4CB7-9EC4-5EC2DD79573E}" type="slidenum">
+              <a:rPr lang="en-US" smtClean="0"/>
+              <a:t>1</a:t>
+            </a:fld>
+            <a:endParaRPr lang="en-US"/>
+          </a:p>
+        </p:txBody>
+      </p:sp>
+    </p:spTree>
+    <p:extLst>
+      <p:ext uri="{BB962C8B-B14F-4D97-AF65-F5344CB8AC3E}">
+        <p14:creationId xmlns:p14="http://schemas.microsoft.com/office/powerpoint/2010/main" val="14536787"/>
+      </p:ext>
+    </p:extLst>
+  </p:cSld>
+  <p:clrMapOvr>
+    <a:masterClrMapping/>
+  </p:clrMapOvr>
+</p:notes>
+</file>
+
+<file path=ppt\presProps.xml><?xml version="1.0" encoding="utf-8"?>
+<p:presentationPr xmlns:a="http://schemas.openxmlformats.org/drawingml/2006/main" xmlns:r="http://schemas.openxmlformats.org/officeDocument/2006/relationships" xmlns:p="http://schemas.openxmlformats.org/presentationml/2006/main">
+  <p:extLst>
+    <p:ext uri="{E76CE94A-603C-4142-B9EB-6D1370010A27}">
+      <p14:discardImageEditData xmlns:p14="http://schemas.microsoft.com/office/powerpoint/2010/main" val="0"/>
+    </p:ext>
+    <p:ext uri="{D31A062A-798A-4329-ABDD-BBA856620510}">
+      <p14:defaultImageDpi xmlns:p14="http://schemas.microsoft.com/office/powerpoint/2010/main" val="220"/>
+    </p:ext>
+  </p:extLst>
+</p:presentationPr>
+</file>
+
+<file path=ppt\presentation.xml><?xml version="1.0" encoding="utf-8"?>
+<p:presentation xmlns:a="http://schemas.openxmlformats.org/drawingml/2006/main" xmlns:r="http://schemas.openxmlformats.org/officeDocument/2006/relationships" xmlns:p="http://schemas.openxmlformats.org/presentationml/2006/main" saveSubsetFonts="1">
+  <p:sldMasterIdLst>
+    <p:sldMasterId id="2147483648" r:id="rId1"/>
+  </p:sldMasterIdLst>
+  <p:notesMasterIdLst>
+    <p:notesMasterId r:id="rId3"/>
+  </p:notesMasterIdLst>
+  <p:sldIdLst>
+    <p:sldId id="257" r:id="rId8"/>
+    <p:sldId id="258" r:id="rId9"/>
+    <p:sldId id="259" r:id="rId10"/>
+  </p:sldIdLst>
+  <p:sldSz cx="9144000" cy="6858000" type="screen4x3"/>
+  <p:notesSz cx="6858000" cy="9144000"/>
+  <p:defaultTextStyle>
+    <a:defPPr>
+      <a:defRPr lang="en-US"/>
+    </a:defPPr>
+    <a:lvl1pPr marL="0" algn="l" defTabSz="914400" rtl="0" eaLnBrk="1" latinLnBrk="0" hangingPunct="1">
+      <a:defRPr sz="1800" kern="1200">
+        <a:solidFill>
+          <a:schemeClr val="tx1"/>
+        </a:solidFill>
+        <a:latin typeface="+mn-lt"/>
+        <a:ea typeface="+mn-ea"/>
+        <a:cs typeface="+mn-cs"/>
+      </a:defRPr>
+    </a:lvl1pPr>
+    <a:lvl2pPr marL="457200" algn="l" defTabSz="914400" rtl="0" eaLnBrk="1" latinLnBrk="0" hangingPunct="1">
+      <a:defRPr sz="1800" kern="1200">
+        <a:solidFill>
+          <a:schemeClr val="tx1"/>
+        </a:solidFill>
+        <a:latin typeface="+mn-lt"/>
+        <a:ea typeface="+mn-ea"/>
+        <a:cs typeface="+mn-cs"/>
+      </a:defRPr>
+    </a:lvl2pPr>
+    <a:lvl3pPr marL="914400" algn="l" defTabSz="914400" rtl="0" eaLnBrk="1" latinLnBrk="0" hangingPunct="1">
+      <a:defRPr sz="1800" kern="1200">
+        <a:solidFill>
+          <a:schemeClr val="tx1"/>
+        </a:solidFill>
+        <a:latin typeface="+mn-lt"/>
+        <a:ea typeface="+mn-ea"/>
+        <a:cs typeface="+mn-cs"/>
+      </a:defRPr>
+    </a:lvl3pPr>
+    <a:lvl4pPr marL="1371600" algn="l" defTabSz="914400" rtl="0" eaLnBrk="1" latinLnBrk="0" hangingPunct="1">
+      <a:defRPr sz="1800" kern="1200">
+        <a:solidFill>
+          <a:schemeClr val="tx1"/>
+        </a:solidFill>
+        <a:latin typeface="+mn-lt"/>
+        <a:ea typeface="+mn-ea"/>
+        <a:cs typeface="+mn-cs"/>
+      </a:defRPr>
+    </a:lvl4pPr>
+    <a:lvl5pPr marL="1828800" algn="l" defTabSz="914400" rtl="0" eaLnBrk="1" latinLnBrk="0" hangingPunct="1">
+      <a:defRPr sz="1800" kern="1200">
+        <a:solidFill>
+          <a:schemeClr val="tx1"/>
+        </a:solidFill>
+        <a:latin typeface="+mn-lt"/>
+        <a:ea typeface="+mn-ea"/>
+        <a:cs typeface="+mn-cs"/>
+      </a:defRPr>
+    </a:lvl5pPr>
+    <a:lvl6pPr marL="2286000" algn="l" defTabSz="914400" rtl="0" eaLnBrk="1" latinLnBrk="0" hangingPunct="1">
+      <a:defRPr sz="1800" kern="1200">
+        <a:solidFill>
+          <a:schemeClr val="tx1"/>
+        </a:solidFill>
+        <a:latin typeface="+mn-lt"/>
+        <a:ea typeface="+mn-ea"/>
+        <a:cs typeface="+mn-cs"/>
+      </a:defRPr>
+    </a:lvl6pPr>
+    <a:lvl7pPr marL="2743200" algn="l" defTabSz="914400" rtl="0" eaLnBrk="1" latinLnBrk="0" hangingPunct="1">
+      <a:defRPr sz="1800" kern="1200">
+        <a:solidFill>
+          <a:schemeClr val="tx1"/>
+        </a:solidFill>
+        <a:latin typeface="+mn-lt"/>
+        <a:ea typeface="+mn-ea"/>
+        <a:cs typeface="+mn-cs"/>
+      </a:defRPr>
+    </a:lvl7pPr>
+    <a:lvl8pPr marL="3200400" algn="l" defTabSz="914400" rtl="0" eaLnBrk="1" latinLnBrk="0" hangingPunct="1">
+      <a:defRPr sz="1800" kern="1200">
+        <a:solidFill>
+          <a:schemeClr val="tx1"/>
+        </a:solidFill>
+        <a:latin typeface="+mn-lt"/>
+        <a:ea typeface="+mn-ea"/>
+        <a:cs typeface="+mn-cs"/>
+      </a:defRPr>
+    </a:lvl8pPr>
+    <a:lvl9pPr marL="3657600" algn="l" defTabSz="914400" rtl="0" eaLnBrk="1" latinLnBrk="0" hangingPunct="1">
+      <a:defRPr sz="1800" kern="1200">
+        <a:solidFill>
+          <a:schemeClr val="tx1"/>
+        </a:solidFill>
+        <a:latin typeface="+mn-lt"/>
+        <a:ea typeface="+mn-ea"/>
+        <a:cs typeface="+mn-cs"/>
+      </a:defRPr>
+    </a:lvl9pPr>
+  </p:defaultTextStyle>
+</p:presentation>
+</file>
+
+<file path=ppt\slideLayouts\slideLayout1.xml><?xml version="1.0" encoding="utf-8"?>
 <p:sldLayout xmlns:a="http://schemas.openxmlformats.org/drawingml/2006/main" xmlns:r="http://schemas.openxmlformats.org/officeDocument/2006/relationships" xmlns:p="http://schemas.openxmlformats.org/presentationml/2006/main" type="title" preserve="1">
   <p:cSld name="Title Slide">
     <p:spTree>
@@ -731,7 +1062,7 @@
             <a:fld id="{1D8BD707-D9CF-40AE-B4C6-C98DA3205C09}" type="datetimeFigureOut">
               <a:rPr lang="en-US" smtClean="0"/>
               <a:pPr/>
-              <a:t>11/20/2012</a:t>
+              <a:t>11/21/2012</a:t>
             </a:fld>
             <a:endParaRPr lang="en-US"/>
           </a:p>
@@ -788,7 +1119,7 @@
 </p:sldLayout>
 </file>
 
-<file path=ppt/slideLayouts/slideLayout10.xml><?xml version="1.0" encoding="utf-8"?>
+<file path=ppt\slideLayouts\slideLayout10.xml><?xml version="1.0" encoding="utf-8"?>
 <p:sldLayout xmlns:a="http://schemas.openxmlformats.org/drawingml/2006/main" xmlns:r="http://schemas.openxmlformats.org/officeDocument/2006/relationships" xmlns:p="http://schemas.openxmlformats.org/presentationml/2006/main" type="vertTx" preserve="1">
   <p:cSld name="Title and Vertical Text">
     <p:spTree>
@@ -898,7 +1229,7 @@
             <a:fld id="{1D8BD707-D9CF-40AE-B4C6-C98DA3205C09}" type="datetimeFigureOut">
               <a:rPr lang="en-US" smtClean="0"/>
               <a:pPr/>
-              <a:t>11/20/2012</a:t>
+              <a:t>11/21/2012</a:t>
             </a:fld>
             <a:endParaRPr lang="en-US"/>
           </a:p>
@@ -955,7 +1286,7 @@
 </p:sldLayout>
 </file>
 
-<file path=ppt/slideLayouts/slideLayout11.xml><?xml version="1.0" encoding="utf-8"?>
+<file path=ppt\slideLayouts\slideLayout11.xml><?xml version="1.0" encoding="utf-8"?>
 <p:sldLayout xmlns:a="http://schemas.openxmlformats.org/drawingml/2006/main" xmlns:r="http://schemas.openxmlformats.org/officeDocument/2006/relationships" xmlns:p="http://schemas.openxmlformats.org/presentationml/2006/main" type="vertTitleAndTx" preserve="1">
   <p:cSld name="Vertical Title and Text">
     <p:spTree>
@@ -1075,7 +1406,7 @@
             <a:fld id="{1D8BD707-D9CF-40AE-B4C6-C98DA3205C09}" type="datetimeFigureOut">
               <a:rPr lang="en-US" smtClean="0"/>
               <a:pPr/>
-              <a:t>11/20/2012</a:t>
+              <a:t>11/21/2012</a:t>
             </a:fld>
             <a:endParaRPr lang="en-US"/>
           </a:p>
@@ -1132,7 +1463,7 @@
 </p:sldLayout>
 </file>
 
-<file path=ppt/slideLayouts/slideLayout2.xml><?xml version="1.0" encoding="utf-8"?>
+<file path=ppt\slideLayouts\slideLayout2.xml><?xml version="1.0" encoding="utf-8"?>
 <p:sldLayout xmlns:a="http://schemas.openxmlformats.org/drawingml/2006/main" xmlns:r="http://schemas.openxmlformats.org/officeDocument/2006/relationships" xmlns:p="http://schemas.openxmlformats.org/presentationml/2006/main" type="obj" preserve="1">
   <p:cSld name="Title and Content">
     <p:spTree>
@@ -1242,7 +1573,7 @@
             <a:fld id="{1D8BD707-D9CF-40AE-B4C6-C98DA3205C09}" type="datetimeFigureOut">
               <a:rPr lang="en-US" smtClean="0"/>
               <a:pPr/>
-              <a:t>11/20/2012</a:t>
+              <a:t>11/21/2012</a:t>
             </a:fld>
             <a:endParaRPr lang="en-US"/>
           </a:p>
@@ -1299,7 +1630,7 @@
 </p:sldLayout>
 </file>
 
-<file path=ppt/slideLayouts/slideLayout3.xml><?xml version="1.0" encoding="utf-8"?>
+<file path=ppt\slideLayouts\slideLayout3.xml><?xml version="1.0" encoding="utf-8"?>
 <p:sldLayout xmlns:a="http://schemas.openxmlformats.org/drawingml/2006/main" xmlns:r="http://schemas.openxmlformats.org/officeDocument/2006/relationships" xmlns:p="http://schemas.openxmlformats.org/presentationml/2006/main" type="secHead" preserve="1">
   <p:cSld name="Section Header">
     <p:spTree>
@@ -1485,7 +1816,7 @@
             <a:fld id="{1D8BD707-D9CF-40AE-B4C6-C98DA3205C09}" type="datetimeFigureOut">
               <a:rPr lang="en-US" smtClean="0"/>
               <a:pPr/>
-              <a:t>11/20/2012</a:t>
+              <a:t>11/21/2012</a:t>
             </a:fld>
             <a:endParaRPr lang="en-US"/>
           </a:p>
@@ -1542,7 +1873,7 @@
 </p:sldLayout>
 </file>
 
-<file path=ppt/slideLayouts/slideLayout4.xml><?xml version="1.0" encoding="utf-8"?>
+<file path=ppt\slideLayouts\slideLayout4.xml><?xml version="1.0" encoding="utf-8"?>
 <p:sldLayout xmlns:a="http://schemas.openxmlformats.org/drawingml/2006/main" xmlns:r="http://schemas.openxmlformats.org/officeDocument/2006/relationships" xmlns:p="http://schemas.openxmlformats.org/presentationml/2006/main" type="twoObj" preserve="1">
   <p:cSld name="Two Content">
     <p:spTree>
@@ -1770,7 +2101,7 @@
             <a:fld id="{1D8BD707-D9CF-40AE-B4C6-C98DA3205C09}" type="datetimeFigureOut">
               <a:rPr lang="en-US" smtClean="0"/>
               <a:pPr/>
-              <a:t>11/20/2012</a:t>
+              <a:t>11/21/2012</a:t>
             </a:fld>
             <a:endParaRPr lang="en-US"/>
           </a:p>
@@ -1827,7 +2158,7 @@
 </p:sldLayout>
 </file>
 
-<file path=ppt/slideLayouts/slideLayout5.xml><?xml version="1.0" encoding="utf-8"?>
+<file path=ppt\slideLayouts\slideLayout5.xml><?xml version="1.0" encoding="utf-8"?>
 <p:sldLayout xmlns:a="http://schemas.openxmlformats.org/drawingml/2006/main" xmlns:r="http://schemas.openxmlformats.org/officeDocument/2006/relationships" xmlns:p="http://schemas.openxmlformats.org/presentationml/2006/main" type="twoTxTwoObj" preserve="1">
   <p:cSld name="Comparison">
     <p:spTree>
@@ -2189,7 +2520,7 @@
             <a:fld id="{1D8BD707-D9CF-40AE-B4C6-C98DA3205C09}" type="datetimeFigureOut">
               <a:rPr lang="en-US" smtClean="0"/>
               <a:pPr/>
-              <a:t>11/20/2012</a:t>
+              <a:t>11/21/2012</a:t>
             </a:fld>
             <a:endParaRPr lang="en-US"/>
           </a:p>
@@ -2246,7 +2577,7 @@
 </p:sldLayout>
 </file>
 
-<file path=ppt/slideLayouts/slideLayout6.xml><?xml version="1.0" encoding="utf-8"?>
+<file path=ppt\slideLayouts\slideLayout6.xml><?xml version="1.0" encoding="utf-8"?>
 <p:sldLayout xmlns:a="http://schemas.openxmlformats.org/drawingml/2006/main" xmlns:r="http://schemas.openxmlformats.org/officeDocument/2006/relationships" xmlns:p="http://schemas.openxmlformats.org/presentationml/2006/main" type="titleOnly" preserve="1">
   <p:cSld name="Title Only">
     <p:spTree>
@@ -2304,7 +2635,7 @@
             <a:fld id="{1D8BD707-D9CF-40AE-B4C6-C98DA3205C09}" type="datetimeFigureOut">
               <a:rPr lang="en-US" smtClean="0"/>
               <a:pPr/>
-              <a:t>11/20/2012</a:t>
+              <a:t>11/21/2012</a:t>
             </a:fld>
             <a:endParaRPr lang="en-US"/>
           </a:p>
@@ -2361,7 +2692,7 @@
 </p:sldLayout>
 </file>
 
-<file path=ppt/slideLayouts/slideLayout7.xml><?xml version="1.0" encoding="utf-8"?>
+<file path=ppt\slideLayouts\slideLayout7.xml><?xml version="1.0" encoding="utf-8"?>
 <p:sldLayout xmlns:a="http://schemas.openxmlformats.org/drawingml/2006/main" xmlns:r="http://schemas.openxmlformats.org/officeDocument/2006/relationships" xmlns:p="http://schemas.openxmlformats.org/presentationml/2006/main" type="blank" preserve="1">
   <p:cSld name="Blank">
     <p:spTree>
@@ -2396,7 +2727,7 @@
             <a:fld id="{1D8BD707-D9CF-40AE-B4C6-C98DA3205C09}" type="datetimeFigureOut">
               <a:rPr lang="en-US" smtClean="0"/>
               <a:pPr/>
-              <a:t>11/20/2012</a:t>
+              <a:t>11/21/2012</a:t>
             </a:fld>
             <a:endParaRPr lang="en-US"/>
           </a:p>
@@ -2453,7 +2784,7 @@
 </p:sldLayout>
 </file>
 
-<file path=ppt/slideLayouts/slideLayout8.xml><?xml version="1.0" encoding="utf-8"?>
+<file path=ppt\slideLayouts\slideLayout8.xml><?xml version="1.0" encoding="utf-8"?>
 <p:sldLayout xmlns:a="http://schemas.openxmlformats.org/drawingml/2006/main" xmlns:r="http://schemas.openxmlformats.org/officeDocument/2006/relationships" xmlns:p="http://schemas.openxmlformats.org/presentationml/2006/main" type="objTx" preserve="1">
   <p:cSld name="Content with Caption">
     <p:spTree>
@@ -2670,7 +3001,7 @@
             <a:fld id="{1D8BD707-D9CF-40AE-B4C6-C98DA3205C09}" type="datetimeFigureOut">
               <a:rPr lang="en-US" smtClean="0"/>
               <a:pPr/>
-              <a:t>11/20/2012</a:t>
+              <a:t>11/21/2012</a:t>
             </a:fld>
             <a:endParaRPr lang="en-US"/>
           </a:p>
@@ -2727,7 +3058,7 @@
 </p:sldLayout>
 </file>
 
-<file path=ppt/slideLayouts/slideLayout9.xml><?xml version="1.0" encoding="utf-8"?>
+<file path=ppt\slideLayouts\slideLayout9.xml><?xml version="1.0" encoding="utf-8"?>
 <p:sldLayout xmlns:a="http://schemas.openxmlformats.org/drawingml/2006/main" xmlns:r="http://schemas.openxmlformats.org/officeDocument/2006/relationships" xmlns:p="http://schemas.openxmlformats.org/presentationml/2006/main" type="picTx" preserve="1">
   <p:cSld name="Picture with Caption">
     <p:spTree>
@@ -2920,7 +3251,7 @@
             <a:fld id="{1D8BD707-D9CF-40AE-B4C6-C98DA3205C09}" type="datetimeFigureOut">
               <a:rPr lang="en-US" smtClean="0"/>
               <a:pPr/>
-              <a:t>11/20/2012</a:t>
+              <a:t>11/21/2012</a:t>
             </a:fld>
             <a:endParaRPr lang="en-US"/>
           </a:p>
@@ -2977,7 +3308,7 @@
 </p:sldLayout>
 </file>
 
-<file path=ppt/slideMasters/slideMaster1.xml><?xml version="1.0" encoding="utf-8"?>
+<file path=ppt\slideMasters\slideMaster1.xml><?xml version="1.0" encoding="utf-8"?>
 <p:sldMaster xmlns:a="http://schemas.openxmlformats.org/drawingml/2006/main" xmlns:r="http://schemas.openxmlformats.org/officeDocument/2006/relationships" xmlns:p="http://schemas.openxmlformats.org/presentationml/2006/main">
   <p:cSld>
     <p:bg>
@@ -3130,7 +3461,7 @@
             <a:fld id="{1D8BD707-D9CF-40AE-B4C6-C98DA3205C09}" type="datetimeFigureOut">
               <a:rPr lang="en-US" smtClean="0"/>
               <a:pPr/>
-              <a:t>11/20/2012</a:t>
+              <a:t>11/21/2012</a:t>
             </a:fld>
             <a:endParaRPr lang="en-US"/>
           </a:p>
@@ -3484,7 +3815,7 @@
 </p:sldMaster>
 </file>
 
-<file path=ppt/slides/slide1.xml><?xml version="1.0" encoding="utf-8"?>
+<file path=ppt\slides\slide1.xml><?xml version="1.0" encoding="utf-8"?>
 <p:sld xmlns:a="http://schemas.openxmlformats.org/drawingml/2006/main" xmlns:r="http://schemas.openxmlformats.org/officeDocument/2006/relationships" xmlns:p="http://schemas.openxmlformats.org/presentationml/2006/main">
   <p:cSld>
     <p:spTree>
@@ -3514,8 +3845,8 @@
 </p:sld>
 </file>
 
-<file path=ppt/slides/slide2.xml><?xml version="1.0" encoding="utf-8"?>
-<p:sld xmlns:p="http://schemas.openxmlformats.org/presentationml/2006/main" xmlns:a="http://schemas.openxmlformats.org/drawingml/2006/main">
+<file path=ppt\slides\slide2.xml><?xml version="1.0" encoding="utf-8"?>
+<p:sld xmlns:r="http://schemas.openxmlformats.org/officeDocument/2006/relationships" xmlns:p="http://schemas.openxmlformats.org/presentationml/2006/main" xmlns:a="http://schemas.openxmlformats.org/drawingml/2006/main">
   <p:cSld>
     <p:spTree>
       <p:nvGrpSpPr>
@@ -3547,20 +3878,4355 @@
           <a:graphicData uri="http://schemas.openxmlformats.org/drawingml/2006/table">
             <a:tbl>
               <a:tblPr/>
-              <a:tblGrid/>
+              <a:tblGrid>
+                <a:gridCol w="1016000"/>
+                <a:gridCol w="1016000"/>
+                <a:gridCol w="1016000"/>
+                <a:gridCol w="1016000"/>
+                <a:gridCol w="1016000"/>
+                <a:gridCol w="1016000"/>
+                <a:gridCol w="1016000"/>
+              </a:tblGrid>
+              <a:tr h="254000">
+                <a:tc>
+                  <a:txBody>
+                    <a:bodyPr/>
+                    <a:lstStyle/>
+                    <a:p>
+                      <a:r>
+                        <a:rPr lang="en-US" sz="1200">
+                          <a:latin typeface="Arial"/>
+                        </a:rPr>
+                        <a:t/>
+                      </a:r>
+                    </a:p>
+                  </a:txBody>
+                  <a:tcPr anchor="ctr">
+                    <a:lnL>
+                      <a:noFill/>
+                    </a:lnL>
+                    <a:lnR>
+                      <a:noFill/>
+                    </a:lnR>
+                    <a:lnT>
+                      <a:noFill/>
+                    </a:lnT>
+                    <a:lnB>
+                      <a:noFill/>
+                    </a:lnB>
+                    <a:solidFill>
+                      <a:srgbClr val="D0D8E8"/>
+                    </a:solidFill>
+                  </a:tcPr>
+                </a:tc>
+                <a:tc>
+                  <a:txBody>
+                    <a:bodyPr/>
+                    <a:lstStyle/>
+                    <a:p>
+                      <a:r>
+                        <a:rPr lang="en-US" sz="1200">
+                          <a:latin typeface="Arial"/>
+                        </a:rPr>
+                        <a:t>Federal-gov</a:t>
+                      </a:r>
+                    </a:p>
+                  </a:txBody>
+                  <a:tcPr anchor="ctr">
+                    <a:lnL>
+                      <a:noFill/>
+                    </a:lnL>
+                    <a:lnR>
+                      <a:noFill/>
+                    </a:lnR>
+                    <a:lnT>
+                      <a:noFill/>
+                    </a:lnT>
+                    <a:lnB>
+                      <a:noFill/>
+                    </a:lnB>
+                    <a:solidFill>
+                      <a:srgbClr val="D0D8E8"/>
+                    </a:solidFill>
+                  </a:tcPr>
+                </a:tc>
+                <a:tc>
+                  <a:txBody>
+                    <a:bodyPr/>
+                    <a:lstStyle/>
+                    <a:p>
+                      <a:r>
+                        <a:rPr lang="en-US" sz="1200">
+                          <a:latin typeface="Arial"/>
+                        </a:rPr>
+                        <a:t>Self-emp-inc</a:t>
+                      </a:r>
+                    </a:p>
+                  </a:txBody>
+                  <a:tcPr anchor="ctr">
+                    <a:lnL>
+                      <a:noFill/>
+                    </a:lnL>
+                    <a:lnR>
+                      <a:noFill/>
+                    </a:lnR>
+                    <a:lnT>
+                      <a:noFill/>
+                    </a:lnT>
+                    <a:lnB>
+                      <a:noFill/>
+                    </a:lnB>
+                    <a:solidFill>
+                      <a:srgbClr val="D0D8E8"/>
+                    </a:solidFill>
+                  </a:tcPr>
+                </a:tc>
+                <a:tc>
+                  <a:txBody>
+                    <a:bodyPr/>
+                    <a:lstStyle/>
+                    <a:p>
+                      <a:r>
+                        <a:rPr lang="en-US" sz="1200">
+                          <a:latin typeface="Arial"/>
+                        </a:rPr>
+                        <a:t>State-gov</a:t>
+                      </a:r>
+                    </a:p>
+                  </a:txBody>
+                  <a:tcPr anchor="ctr">
+                    <a:lnL>
+                      <a:noFill/>
+                    </a:lnL>
+                    <a:lnR>
+                      <a:noFill/>
+                    </a:lnR>
+                    <a:lnT>
+                      <a:noFill/>
+                    </a:lnT>
+                    <a:lnB>
+                      <a:noFill/>
+                    </a:lnB>
+                    <a:solidFill>
+                      <a:srgbClr val="D0D8E8"/>
+                    </a:solidFill>
+                  </a:tcPr>
+                </a:tc>
+                <a:tc>
+                  <a:txBody>
+                    <a:bodyPr/>
+                    <a:lstStyle/>
+                    <a:p>
+                      <a:r>
+                        <a:rPr lang="en-US" sz="1200">
+                          <a:latin typeface="Arial"/>
+                        </a:rPr>
+                        <a:t>Local-gov</a:t>
+                      </a:r>
+                    </a:p>
+                  </a:txBody>
+                  <a:tcPr anchor="ctr">
+                    <a:lnL>
+                      <a:noFill/>
+                    </a:lnL>
+                    <a:lnR>
+                      <a:noFill/>
+                    </a:lnR>
+                    <a:lnT>
+                      <a:noFill/>
+                    </a:lnT>
+                    <a:lnB>
+                      <a:noFill/>
+                    </a:lnB>
+                    <a:solidFill>
+                      <a:srgbClr val="D0D8E8"/>
+                    </a:solidFill>
+                  </a:tcPr>
+                </a:tc>
+                <a:tc>
+                  <a:txBody>
+                    <a:bodyPr/>
+                    <a:lstStyle/>
+                    <a:p>
+                      <a:r>
+                        <a:rPr lang="en-US" sz="1200">
+                          <a:latin typeface="Arial"/>
+                        </a:rPr>
+                        <a:t>Self-emp-not-inc</a:t>
+                      </a:r>
+                    </a:p>
+                  </a:txBody>
+                  <a:tcPr anchor="ctr">
+                    <a:lnL>
+                      <a:noFill/>
+                    </a:lnL>
+                    <a:lnR>
+                      <a:noFill/>
+                    </a:lnR>
+                    <a:lnT>
+                      <a:noFill/>
+                    </a:lnT>
+                    <a:lnB>
+                      <a:noFill/>
+                    </a:lnB>
+                    <a:solidFill>
+                      <a:srgbClr val="D0D8E8"/>
+                    </a:solidFill>
+                  </a:tcPr>
+                </a:tc>
+                <a:tc>
+                  <a:txBody>
+                    <a:bodyPr/>
+                    <a:lstStyle/>
+                    <a:p>
+                      <a:r>
+                        <a:rPr lang="en-US" sz="1200">
+                          <a:latin typeface="Arial"/>
+                        </a:rPr>
+                        <a:t>Private</a:t>
+                      </a:r>
+                    </a:p>
+                  </a:txBody>
+                  <a:tcPr anchor="ctr">
+                    <a:lnL>
+                      <a:noFill/>
+                    </a:lnL>
+                    <a:lnR>
+                      <a:noFill/>
+                    </a:lnR>
+                    <a:lnT>
+                      <a:noFill/>
+                    </a:lnT>
+                    <a:lnB>
+                      <a:noFill/>
+                    </a:lnB>
+                    <a:solidFill>
+                      <a:srgbClr val="D0D8E8"/>
+                    </a:solidFill>
+                  </a:tcPr>
+                </a:tc>
+              </a:tr>
+              <a:tr h="254000">
+                <a:tc>
+                  <a:txBody>
+                    <a:bodyPr/>
+                    <a:lstStyle/>
+                    <a:p>
+                      <a:r>
+                        <a:rPr lang="en-US" sz="1200">
+                          <a:latin typeface="Arial"/>
+                        </a:rPr>
+                        <a:t>Craft-repair</a:t>
+                      </a:r>
+                    </a:p>
+                  </a:txBody>
+                  <a:tcPr anchor="ctr">
+                    <a:lnL>
+                      <a:noFill/>
+                    </a:lnL>
+                    <a:lnR>
+                      <a:noFill/>
+                    </a:lnR>
+                    <a:lnT>
+                      <a:noFill/>
+                    </a:lnT>
+                    <a:lnB>
+                      <a:noFill/>
+                    </a:lnB>
+                    <a:solidFill>
+                      <a:srgbClr val="E9F7F4"/>
+                    </a:solidFill>
+                  </a:tcPr>
+                </a:tc>
+                <a:tc>
+                  <a:txBody>
+                    <a:bodyPr/>
+                    <a:lstStyle/>
+                    <a:p>
+                      <a:r>
+                        <a:rPr lang="en-US" sz="1200">
+                          <a:latin typeface="Arial"/>
+                        </a:rPr>
+                        <a:t>40.7937</a:t>
+                      </a:r>
+                    </a:p>
+                  </a:txBody>
+                  <a:tcPr anchor="ctr">
+                    <a:lnL>
+                      <a:noFill/>
+                    </a:lnL>
+                    <a:lnR>
+                      <a:noFill/>
+                    </a:lnR>
+                    <a:lnT>
+                      <a:noFill/>
+                    </a:lnT>
+                    <a:lnB>
+                      <a:noFill/>
+                    </a:lnB>
+                    <a:solidFill>
+                      <a:srgbClr val="E9F7F4"/>
+                    </a:solidFill>
+                  </a:tcPr>
+                </a:tc>
+                <a:tc>
+                  <a:txBody>
+                    <a:bodyPr/>
+                    <a:lstStyle/>
+                    <a:p>
+                      <a:r>
+                        <a:rPr lang="en-US" sz="1200">
+                          <a:latin typeface="Arial"/>
+                        </a:rPr>
+                        <a:t>46.5354</a:t>
+                      </a:r>
+                    </a:p>
+                  </a:txBody>
+                  <a:tcPr anchor="ctr">
+                    <a:lnL>
+                      <a:noFill/>
+                    </a:lnL>
+                    <a:lnR>
+                      <a:noFill/>
+                    </a:lnR>
+                    <a:lnT>
+                      <a:noFill/>
+                    </a:lnT>
+                    <a:lnB>
+                      <a:noFill/>
+                    </a:lnB>
+                    <a:solidFill>
+                      <a:srgbClr val="E9F7F4"/>
+                    </a:solidFill>
+                  </a:tcPr>
+                </a:tc>
+                <a:tc>
+                  <a:txBody>
+                    <a:bodyPr/>
+                    <a:lstStyle/>
+                    <a:p>
+                      <a:r>
+                        <a:rPr lang="en-US" sz="1200">
+                          <a:latin typeface="Arial"/>
+                        </a:rPr>
+                        <a:t>39.8909</a:t>
+                      </a:r>
+                    </a:p>
+                  </a:txBody>
+                  <a:tcPr anchor="ctr">
+                    <a:lnL>
+                      <a:noFill/>
+                    </a:lnL>
+                    <a:lnR>
+                      <a:noFill/>
+                    </a:lnR>
+                    <a:lnT>
+                      <a:noFill/>
+                    </a:lnT>
+                    <a:lnB>
+                      <a:noFill/>
+                    </a:lnB>
+                    <a:solidFill>
+                      <a:srgbClr val="E9F7F4"/>
+                    </a:solidFill>
+                  </a:tcPr>
+                </a:tc>
+                <a:tc>
+                  <a:txBody>
+                    <a:bodyPr/>
+                    <a:lstStyle/>
+                    <a:p>
+                      <a:r>
+                        <a:rPr lang="en-US" sz="1200">
+                          <a:latin typeface="Arial"/>
+                        </a:rPr>
+                        <a:t>41.1119</a:t>
+                      </a:r>
+                    </a:p>
+                  </a:txBody>
+                  <a:tcPr anchor="ctr">
+                    <a:lnL>
+                      <a:noFill/>
+                    </a:lnL>
+                    <a:lnR>
+                      <a:noFill/>
+                    </a:lnR>
+                    <a:lnT>
+                      <a:noFill/>
+                    </a:lnT>
+                    <a:lnB>
+                      <a:noFill/>
+                    </a:lnB>
+                    <a:solidFill>
+                      <a:srgbClr val="E9F7F4"/>
+                    </a:solidFill>
+                  </a:tcPr>
+                </a:tc>
+                <a:tc>
+                  <a:txBody>
+                    <a:bodyPr/>
+                    <a:lstStyle/>
+                    <a:p>
+                      <a:r>
+                        <a:rPr lang="en-US" sz="1200">
+                          <a:latin typeface="Arial"/>
+                        </a:rPr>
+                        <a:t>42.1587</a:t>
+                      </a:r>
+                    </a:p>
+                  </a:txBody>
+                  <a:tcPr anchor="ctr">
+                    <a:lnL>
+                      <a:noFill/>
+                    </a:lnL>
+                    <a:lnR>
+                      <a:noFill/>
+                    </a:lnR>
+                    <a:lnT>
+                      <a:noFill/>
+                    </a:lnT>
+                    <a:lnB>
+                      <a:noFill/>
+                    </a:lnB>
+                    <a:solidFill>
+                      <a:srgbClr val="E9F7F4"/>
+                    </a:solidFill>
+                  </a:tcPr>
+                </a:tc>
+                <a:tc>
+                  <a:txBody>
+                    <a:bodyPr/>
+                    <a:lstStyle/>
+                    <a:p>
+                      <a:r>
+                        <a:rPr lang="en-US" sz="1200">
+                          <a:latin typeface="Arial"/>
+                        </a:rPr>
+                        <a:t>42.3147</a:t>
+                      </a:r>
+                    </a:p>
+                  </a:txBody>
+                  <a:tcPr anchor="ctr">
+                    <a:lnL>
+                      <a:noFill/>
+                    </a:lnL>
+                    <a:lnR>
+                      <a:noFill/>
+                    </a:lnR>
+                    <a:lnT>
+                      <a:noFill/>
+                    </a:lnT>
+                    <a:lnB>
+                      <a:noFill/>
+                    </a:lnB>
+                    <a:solidFill>
+                      <a:srgbClr val="E9F7F4"/>
+                    </a:solidFill>
+                  </a:tcPr>
+                </a:tc>
+              </a:tr>
+              <a:tr h="254000">
+                <a:tc>
+                  <a:txBody>
+                    <a:bodyPr/>
+                    <a:lstStyle/>
+                    <a:p>
+                      <a:r>
+                        <a:rPr lang="en-US" sz="1200">
+                          <a:latin typeface="Arial"/>
+                        </a:rPr>
+                        <a:t>Tech-support</a:t>
+                      </a:r>
+                    </a:p>
+                  </a:txBody>
+                  <a:tcPr anchor="ctr">
+                    <a:lnL>
+                      <a:noFill/>
+                    </a:lnL>
+                    <a:lnR>
+                      <a:noFill/>
+                    </a:lnR>
+                    <a:lnT>
+                      <a:noFill/>
+                    </a:lnT>
+                    <a:lnB>
+                      <a:noFill/>
+                    </a:lnB>
+                    <a:solidFill>
+                      <a:srgbClr val="D0D8E8"/>
+                    </a:solidFill>
+                  </a:tcPr>
+                </a:tc>
+                <a:tc>
+                  <a:txBody>
+                    <a:bodyPr/>
+                    <a:lstStyle/>
+                    <a:p>
+                      <a:r>
+                        <a:rPr lang="en-US" sz="1200">
+                          <a:latin typeface="Arial"/>
+                        </a:rPr>
+                        <a:t>38.2576</a:t>
+                      </a:r>
+                    </a:p>
+                  </a:txBody>
+                  <a:tcPr anchor="ctr">
+                    <a:lnL>
+                      <a:noFill/>
+                    </a:lnL>
+                    <a:lnR>
+                      <a:noFill/>
+                    </a:lnR>
+                    <a:lnT>
+                      <a:noFill/>
+                    </a:lnT>
+                    <a:lnB>
+                      <a:noFill/>
+                    </a:lnB>
+                    <a:solidFill>
+                      <a:srgbClr val="D0D8E8"/>
+                    </a:solidFill>
+                  </a:tcPr>
+                </a:tc>
+                <a:tc>
+                  <a:txBody>
+                    <a:bodyPr/>
+                    <a:lstStyle/>
+                    <a:p>
+                      <a:r>
+                        <a:rPr lang="en-US" sz="1200">
+                          <a:latin typeface="Arial"/>
+                        </a:rPr>
+                        <a:t>51.6667</a:t>
+                      </a:r>
+                    </a:p>
+                  </a:txBody>
+                  <a:tcPr anchor="ctr">
+                    <a:lnL>
+                      <a:noFill/>
+                    </a:lnL>
+                    <a:lnR>
+                      <a:noFill/>
+                    </a:lnR>
+                    <a:lnT>
+                      <a:noFill/>
+                    </a:lnT>
+                    <a:lnB>
+                      <a:noFill/>
+                    </a:lnB>
+                    <a:solidFill>
+                      <a:srgbClr val="D0D8E8"/>
+                    </a:solidFill>
+                  </a:tcPr>
+                </a:tc>
+                <a:tc>
+                  <a:txBody>
+                    <a:bodyPr/>
+                    <a:lstStyle/>
+                    <a:p>
+                      <a:r>
+                        <a:rPr lang="en-US" sz="1200">
+                          <a:latin typeface="Arial"/>
+                        </a:rPr>
+                        <a:t>34.5536</a:t>
+                      </a:r>
+                    </a:p>
+                  </a:txBody>
+                  <a:tcPr anchor="ctr">
+                    <a:lnL>
+                      <a:noFill/>
+                    </a:lnL>
+                    <a:lnR>
+                      <a:noFill/>
+                    </a:lnR>
+                    <a:lnT>
+                      <a:noFill/>
+                    </a:lnT>
+                    <a:lnB>
+                      <a:noFill/>
+                    </a:lnB>
+                    <a:solidFill>
+                      <a:srgbClr val="D0D8E8"/>
+                    </a:solidFill>
+                  </a:tcPr>
+                </a:tc>
+                <a:tc>
+                  <a:txBody>
+                    <a:bodyPr/>
+                    <a:lstStyle/>
+                    <a:p>
+                      <a:r>
+                        <a:rPr lang="en-US" sz="1200">
+                          <a:latin typeface="Arial"/>
+                        </a:rPr>
+                        <a:t>43.5000</a:t>
+                      </a:r>
+                    </a:p>
+                  </a:txBody>
+                  <a:tcPr anchor="ctr">
+                    <a:lnL>
+                      <a:noFill/>
+                    </a:lnL>
+                    <a:lnR>
+                      <a:noFill/>
+                    </a:lnR>
+                    <a:lnT>
+                      <a:noFill/>
+                    </a:lnT>
+                    <a:lnB>
+                      <a:noFill/>
+                    </a:lnB>
+                    <a:solidFill>
+                      <a:srgbClr val="D0D8E8"/>
+                    </a:solidFill>
+                  </a:tcPr>
+                </a:tc>
+                <a:tc>
+                  <a:txBody>
+                    <a:bodyPr/>
+                    <a:lstStyle/>
+                    <a:p>
+                      <a:r>
+                        <a:rPr lang="en-US" sz="1200">
+                          <a:latin typeface="Arial"/>
+                        </a:rPr>
+                        <a:t>37.8846</a:t>
+                      </a:r>
+                    </a:p>
+                  </a:txBody>
+                  <a:tcPr anchor="ctr">
+                    <a:lnL>
+                      <a:noFill/>
+                    </a:lnL>
+                    <a:lnR>
+                      <a:noFill/>
+                    </a:lnR>
+                    <a:lnT>
+                      <a:noFill/>
+                    </a:lnT>
+                    <a:lnB>
+                      <a:noFill/>
+                    </a:lnB>
+                    <a:solidFill>
+                      <a:srgbClr val="D0D8E8"/>
+                    </a:solidFill>
+                  </a:tcPr>
+                </a:tc>
+                <a:tc>
+                  <a:txBody>
+                    <a:bodyPr/>
+                    <a:lstStyle/>
+                    <a:p>
+                      <a:r>
+                        <a:rPr lang="en-US" sz="1200">
+                          <a:latin typeface="Arial"/>
+                        </a:rPr>
+                        <a:t>39.7607</a:t>
+                      </a:r>
+                    </a:p>
+                  </a:txBody>
+                  <a:tcPr anchor="ctr">
+                    <a:lnL>
+                      <a:noFill/>
+                    </a:lnL>
+                    <a:lnR>
+                      <a:noFill/>
+                    </a:lnR>
+                    <a:lnT>
+                      <a:noFill/>
+                    </a:lnT>
+                    <a:lnB>
+                      <a:noFill/>
+                    </a:lnB>
+                    <a:solidFill>
+                      <a:srgbClr val="D0D8E8"/>
+                    </a:solidFill>
+                  </a:tcPr>
+                </a:tc>
+              </a:tr>
+              <a:tr h="254000">
+                <a:tc>
+                  <a:txBody>
+                    <a:bodyPr/>
+                    <a:lstStyle/>
+                    <a:p>
+                      <a:r>
+                        <a:rPr lang="en-US" sz="1200">
+                          <a:latin typeface="Arial"/>
+                        </a:rPr>
+                        <a:t>Priv-house-serv</a:t>
+                      </a:r>
+                    </a:p>
+                  </a:txBody>
+                  <a:tcPr anchor="ctr">
+                    <a:lnL>
+                      <a:noFill/>
+                    </a:lnL>
+                    <a:lnR>
+                      <a:noFill/>
+                    </a:lnR>
+                    <a:lnT>
+                      <a:noFill/>
+                    </a:lnT>
+                    <a:lnB>
+                      <a:noFill/>
+                    </a:lnB>
+                    <a:solidFill>
+                      <a:srgbClr val="E9F7F4"/>
+                    </a:solidFill>
+                  </a:tcPr>
+                </a:tc>
+                <a:tc>
+                  <a:txBody>
+                    <a:bodyPr/>
+                    <a:lstStyle/>
+                    <a:p>
+                      <a:r>
+                        <a:rPr lang="en-US" sz="1200">
+                          <a:latin typeface="Arial"/>
+                        </a:rPr>
+                        <a:t/>
+                      </a:r>
+                    </a:p>
+                  </a:txBody>
+                  <a:tcPr anchor="ctr">
+                    <a:lnL>
+                      <a:noFill/>
+                    </a:lnL>
+                    <a:lnR>
+                      <a:noFill/>
+                    </a:lnR>
+                    <a:lnT>
+                      <a:noFill/>
+                    </a:lnT>
+                    <a:lnB>
+                      <a:noFill/>
+                    </a:lnB>
+                    <a:solidFill>
+                      <a:srgbClr val="E9F7F4"/>
+                    </a:solidFill>
+                  </a:tcPr>
+                </a:tc>
+                <a:tc>
+                  <a:txBody>
+                    <a:bodyPr/>
+                    <a:lstStyle/>
+                    <a:p>
+                      <a:r>
+                        <a:rPr lang="en-US" sz="1200">
+                          <a:latin typeface="Arial"/>
+                        </a:rPr>
+                        <a:t/>
+                      </a:r>
+                    </a:p>
+                  </a:txBody>
+                  <a:tcPr anchor="ctr">
+                    <a:lnL>
+                      <a:noFill/>
+                    </a:lnL>
+                    <a:lnR>
+                      <a:noFill/>
+                    </a:lnR>
+                    <a:lnT>
+                      <a:noFill/>
+                    </a:lnT>
+                    <a:lnB>
+                      <a:noFill/>
+                    </a:lnB>
+                    <a:solidFill>
+                      <a:srgbClr val="E9F7F4"/>
+                    </a:solidFill>
+                  </a:tcPr>
+                </a:tc>
+                <a:tc>
+                  <a:txBody>
+                    <a:bodyPr/>
+                    <a:lstStyle/>
+                    <a:p>
+                      <a:r>
+                        <a:rPr lang="en-US" sz="1200">
+                          <a:latin typeface="Arial"/>
+                        </a:rPr>
+                        <a:t/>
+                      </a:r>
+                    </a:p>
+                  </a:txBody>
+                  <a:tcPr anchor="ctr">
+                    <a:lnL>
+                      <a:noFill/>
+                    </a:lnL>
+                    <a:lnR>
+                      <a:noFill/>
+                    </a:lnR>
+                    <a:lnT>
+                      <a:noFill/>
+                    </a:lnT>
+                    <a:lnB>
+                      <a:noFill/>
+                    </a:lnB>
+                    <a:solidFill>
+                      <a:srgbClr val="E9F7F4"/>
+                    </a:solidFill>
+                  </a:tcPr>
+                </a:tc>
+                <a:tc>
+                  <a:txBody>
+                    <a:bodyPr/>
+                    <a:lstStyle/>
+                    <a:p>
+                      <a:r>
+                        <a:rPr lang="en-US" sz="1200">
+                          <a:latin typeface="Arial"/>
+                        </a:rPr>
+                        <a:t/>
+                      </a:r>
+                    </a:p>
+                  </a:txBody>
+                  <a:tcPr anchor="ctr">
+                    <a:lnL>
+                      <a:noFill/>
+                    </a:lnL>
+                    <a:lnR>
+                      <a:noFill/>
+                    </a:lnR>
+                    <a:lnT>
+                      <a:noFill/>
+                    </a:lnT>
+                    <a:lnB>
+                      <a:noFill/>
+                    </a:lnB>
+                    <a:solidFill>
+                      <a:srgbClr val="E9F7F4"/>
+                    </a:solidFill>
+                  </a:tcPr>
+                </a:tc>
+                <a:tc>
+                  <a:txBody>
+                    <a:bodyPr/>
+                    <a:lstStyle/>
+                    <a:p>
+                      <a:r>
+                        <a:rPr lang="en-US" sz="1200">
+                          <a:latin typeface="Arial"/>
+                        </a:rPr>
+                        <a:t/>
+                      </a:r>
+                    </a:p>
+                  </a:txBody>
+                  <a:tcPr anchor="ctr">
+                    <a:lnL>
+                      <a:noFill/>
+                    </a:lnL>
+                    <a:lnR>
+                      <a:noFill/>
+                    </a:lnR>
+                    <a:lnT>
+                      <a:noFill/>
+                    </a:lnT>
+                    <a:lnB>
+                      <a:noFill/>
+                    </a:lnB>
+                    <a:solidFill>
+                      <a:srgbClr val="E9F7F4"/>
+                    </a:solidFill>
+                  </a:tcPr>
+                </a:tc>
+                <a:tc>
+                  <a:txBody>
+                    <a:bodyPr/>
+                    <a:lstStyle/>
+                    <a:p>
+                      <a:r>
+                        <a:rPr lang="en-US" sz="1200">
+                          <a:latin typeface="Arial"/>
+                        </a:rPr>
+                        <a:t>32.7972</a:t>
+                      </a:r>
+                    </a:p>
+                  </a:txBody>
+                  <a:tcPr anchor="ctr">
+                    <a:lnL>
+                      <a:noFill/>
+                    </a:lnL>
+                    <a:lnR>
+                      <a:noFill/>
+                    </a:lnR>
+                    <a:lnT>
+                      <a:noFill/>
+                    </a:lnT>
+                    <a:lnB>
+                      <a:noFill/>
+                    </a:lnB>
+                    <a:solidFill>
+                      <a:srgbClr val="E9F7F4"/>
+                    </a:solidFill>
+                  </a:tcPr>
+                </a:tc>
+              </a:tr>
+              <a:tr h="254000">
+                <a:tc>
+                  <a:txBody>
+                    <a:bodyPr/>
+                    <a:lstStyle/>
+                    <a:p>
+                      <a:r>
+                        <a:rPr lang="en-US" sz="1200">
+                          <a:latin typeface="Arial"/>
+                        </a:rPr>
+                        <a:t>Machine-op-inspct</a:t>
+                      </a:r>
+                    </a:p>
+                  </a:txBody>
+                  <a:tcPr anchor="ctr">
+                    <a:lnL>
+                      <a:noFill/>
+                    </a:lnL>
+                    <a:lnR>
+                      <a:noFill/>
+                    </a:lnR>
+                    <a:lnT>
+                      <a:noFill/>
+                    </a:lnT>
+                    <a:lnB>
+                      <a:noFill/>
+                    </a:lnB>
+                    <a:solidFill>
+                      <a:srgbClr val="D0D8E8"/>
+                    </a:solidFill>
+                  </a:tcPr>
+                </a:tc>
+                <a:tc>
+                  <a:txBody>
+                    <a:bodyPr/>
+                    <a:lstStyle/>
+                    <a:p>
+                      <a:r>
+                        <a:rPr lang="en-US" sz="1200">
+                          <a:latin typeface="Arial"/>
+                        </a:rPr>
+                        <a:t>39.2857</a:t>
+                      </a:r>
+                    </a:p>
+                  </a:txBody>
+                  <a:tcPr anchor="ctr">
+                    <a:lnL>
+                      <a:noFill/>
+                    </a:lnL>
+                    <a:lnR>
+                      <a:noFill/>
+                    </a:lnR>
+                    <a:lnT>
+                      <a:noFill/>
+                    </a:lnT>
+                    <a:lnB>
+                      <a:noFill/>
+                    </a:lnB>
+                    <a:solidFill>
+                      <a:srgbClr val="D0D8E8"/>
+                    </a:solidFill>
+                  </a:tcPr>
+                </a:tc>
+                <a:tc>
+                  <a:txBody>
+                    <a:bodyPr/>
+                    <a:lstStyle/>
+                    <a:p>
+                      <a:r>
+                        <a:rPr lang="en-US" sz="1200">
+                          <a:latin typeface="Arial"/>
+                        </a:rPr>
+                        <a:t>45.2000</a:t>
+                      </a:r>
+                    </a:p>
+                  </a:txBody>
+                  <a:tcPr anchor="ctr">
+                    <a:lnL>
+                      <a:noFill/>
+                    </a:lnL>
+                    <a:lnR>
+                      <a:noFill/>
+                    </a:lnR>
+                    <a:lnT>
+                      <a:noFill/>
+                    </a:lnT>
+                    <a:lnB>
+                      <a:noFill/>
+                    </a:lnB>
+                    <a:solidFill>
+                      <a:srgbClr val="D0D8E8"/>
+                    </a:solidFill>
+                  </a:tcPr>
+                </a:tc>
+                <a:tc>
+                  <a:txBody>
+                    <a:bodyPr/>
+                    <a:lstStyle/>
+                    <a:p>
+                      <a:r>
+                        <a:rPr lang="en-US" sz="1200">
+                          <a:latin typeface="Arial"/>
+                        </a:rPr>
+                        <a:t>36.9231</a:t>
+                      </a:r>
+                    </a:p>
+                  </a:txBody>
+                  <a:tcPr anchor="ctr">
+                    <a:lnL>
+                      <a:noFill/>
+                    </a:lnL>
+                    <a:lnR>
+                      <a:noFill/>
+                    </a:lnR>
+                    <a:lnT>
+                      <a:noFill/>
+                    </a:lnT>
+                    <a:lnB>
+                      <a:noFill/>
+                    </a:lnB>
+                    <a:solidFill>
+                      <a:srgbClr val="D0D8E8"/>
+                    </a:solidFill>
+                  </a:tcPr>
+                </a:tc>
+                <a:tc>
+                  <a:txBody>
+                    <a:bodyPr/>
+                    <a:lstStyle/>
+                    <a:p>
+                      <a:r>
+                        <a:rPr lang="en-US" sz="1200">
+                          <a:latin typeface="Arial"/>
+                        </a:rPr>
+                        <a:t>41.5455</a:t>
+                      </a:r>
+                    </a:p>
+                  </a:txBody>
+                  <a:tcPr anchor="ctr">
+                    <a:lnL>
+                      <a:noFill/>
+                    </a:lnL>
+                    <a:lnR>
+                      <a:noFill/>
+                    </a:lnR>
+                    <a:lnT>
+                      <a:noFill/>
+                    </a:lnT>
+                    <a:lnB>
+                      <a:noFill/>
+                    </a:lnB>
+                    <a:solidFill>
+                      <a:srgbClr val="D0D8E8"/>
+                    </a:solidFill>
+                  </a:tcPr>
+                </a:tc>
+                <a:tc>
+                  <a:txBody>
+                    <a:bodyPr/>
+                    <a:lstStyle/>
+                    <a:p>
+                      <a:r>
+                        <a:rPr lang="en-US" sz="1200">
+                          <a:latin typeface="Arial"/>
+                        </a:rPr>
+                        <a:t>40.8857</a:t>
+                      </a:r>
+                    </a:p>
+                  </a:txBody>
+                  <a:tcPr anchor="ctr">
+                    <a:lnL>
+                      <a:noFill/>
+                    </a:lnL>
+                    <a:lnR>
+                      <a:noFill/>
+                    </a:lnR>
+                    <a:lnT>
+                      <a:noFill/>
+                    </a:lnT>
+                    <a:lnB>
+                      <a:noFill/>
+                    </a:lnB>
+                    <a:solidFill>
+                      <a:srgbClr val="D0D8E8"/>
+                    </a:solidFill>
+                  </a:tcPr>
+                </a:tc>
+                <a:tc>
+                  <a:txBody>
+                    <a:bodyPr/>
+                    <a:lstStyle/>
+                    <a:p>
+                      <a:r>
+                        <a:rPr lang="en-US" sz="1200">
+                          <a:latin typeface="Arial"/>
+                        </a:rPr>
+                        <a:t>40.7200</a:t>
+                      </a:r>
+                    </a:p>
+                  </a:txBody>
+                  <a:tcPr anchor="ctr">
+                    <a:lnL>
+                      <a:noFill/>
+                    </a:lnL>
+                    <a:lnR>
+                      <a:noFill/>
+                    </a:lnR>
+                    <a:lnT>
+                      <a:noFill/>
+                    </a:lnT>
+                    <a:lnB>
+                      <a:noFill/>
+                    </a:lnB>
+                    <a:solidFill>
+                      <a:srgbClr val="D0D8E8"/>
+                    </a:solidFill>
+                  </a:tcPr>
+                </a:tc>
+              </a:tr>
+              <a:tr h="254000">
+                <a:tc>
+                  <a:txBody>
+                    <a:bodyPr/>
+                    <a:lstStyle/>
+                    <a:p>
+                      <a:r>
+                        <a:rPr lang="en-US" sz="1200">
+                          <a:latin typeface="Arial"/>
+                        </a:rPr>
+                        <a:t>Handlers-cleaners</a:t>
+                      </a:r>
+                    </a:p>
+                  </a:txBody>
+                  <a:tcPr anchor="ctr">
+                    <a:lnL>
+                      <a:noFill/>
+                    </a:lnL>
+                    <a:lnR>
+                      <a:noFill/>
+                    </a:lnR>
+                    <a:lnT>
+                      <a:noFill/>
+                    </a:lnT>
+                    <a:lnB>
+                      <a:noFill/>
+                    </a:lnB>
+                    <a:solidFill>
+                      <a:srgbClr val="E9F7F4"/>
+                    </a:solidFill>
+                  </a:tcPr>
+                </a:tc>
+                <a:tc>
+                  <a:txBody>
+                    <a:bodyPr/>
+                    <a:lstStyle/>
+                    <a:p>
+                      <a:r>
+                        <a:rPr lang="en-US" sz="1200">
+                          <a:latin typeface="Arial"/>
+                        </a:rPr>
+                        <a:t>39.2273</a:t>
+                      </a:r>
+                    </a:p>
+                  </a:txBody>
+                  <a:tcPr anchor="ctr">
+                    <a:lnL>
+                      <a:noFill/>
+                    </a:lnL>
+                    <a:lnR>
+                      <a:noFill/>
+                    </a:lnR>
+                    <a:lnT>
+                      <a:noFill/>
+                    </a:lnT>
+                    <a:lnB>
+                      <a:noFill/>
+                    </a:lnB>
+                    <a:solidFill>
+                      <a:srgbClr val="E9F7F4"/>
+                    </a:solidFill>
+                  </a:tcPr>
+                </a:tc>
+                <a:tc>
+                  <a:txBody>
+                    <a:bodyPr/>
+                    <a:lstStyle/>
+                    <a:p>
+                      <a:r>
+                        <a:rPr lang="en-US" sz="1200">
+                          <a:latin typeface="Arial"/>
+                        </a:rPr>
+                        <a:t>50.0000</a:t>
+                      </a:r>
+                    </a:p>
+                  </a:txBody>
+                  <a:tcPr anchor="ctr">
+                    <a:lnL>
+                      <a:noFill/>
+                    </a:lnL>
+                    <a:lnR>
+                      <a:noFill/>
+                    </a:lnR>
+                    <a:lnT>
+                      <a:noFill/>
+                    </a:lnT>
+                    <a:lnB>
+                      <a:noFill/>
+                    </a:lnB>
+                    <a:solidFill>
+                      <a:srgbClr val="E9F7F4"/>
+                    </a:solidFill>
+                  </a:tcPr>
+                </a:tc>
+                <a:tc>
+                  <a:txBody>
+                    <a:bodyPr/>
+                    <a:lstStyle/>
+                    <a:p>
+                      <a:r>
+                        <a:rPr lang="en-US" sz="1200">
+                          <a:latin typeface="Arial"/>
+                        </a:rPr>
+                        <a:t>32.6667</a:t>
+                      </a:r>
+                    </a:p>
+                  </a:txBody>
+                  <a:tcPr anchor="ctr">
+                    <a:lnL>
+                      <a:noFill/>
+                    </a:lnL>
+                    <a:lnR>
+                      <a:noFill/>
+                    </a:lnR>
+                    <a:lnT>
+                      <a:noFill/>
+                    </a:lnT>
+                    <a:lnB>
+                      <a:noFill/>
+                    </a:lnB>
+                    <a:solidFill>
+                      <a:srgbClr val="E9F7F4"/>
+                    </a:solidFill>
+                  </a:tcPr>
+                </a:tc>
+                <a:tc>
+                  <a:txBody>
+                    <a:bodyPr/>
+                    <a:lstStyle/>
+                    <a:p>
+                      <a:r>
+                        <a:rPr lang="en-US" sz="1200">
+                          <a:latin typeface="Arial"/>
+                        </a:rPr>
+                        <a:t>40.2174</a:t>
+                      </a:r>
+                    </a:p>
+                  </a:txBody>
+                  <a:tcPr anchor="ctr">
+                    <a:lnL>
+                      <a:noFill/>
+                    </a:lnL>
+                    <a:lnR>
+                      <a:noFill/>
+                    </a:lnR>
+                    <a:lnT>
+                      <a:noFill/>
+                    </a:lnT>
+                    <a:lnB>
+                      <a:noFill/>
+                    </a:lnB>
+                    <a:solidFill>
+                      <a:srgbClr val="E9F7F4"/>
+                    </a:solidFill>
+                  </a:tcPr>
+                </a:tc>
+                <a:tc>
+                  <a:txBody>
+                    <a:bodyPr/>
+                    <a:lstStyle/>
+                    <a:p>
+                      <a:r>
+                        <a:rPr lang="en-US" sz="1200">
+                          <a:latin typeface="Arial"/>
+                        </a:rPr>
+                        <a:t>33.8667</a:t>
+                      </a:r>
+                    </a:p>
+                  </a:txBody>
+                  <a:tcPr anchor="ctr">
+                    <a:lnL>
+                      <a:noFill/>
+                    </a:lnL>
+                    <a:lnR>
+                      <a:noFill/>
+                    </a:lnR>
+                    <a:lnT>
+                      <a:noFill/>
+                    </a:lnT>
+                    <a:lnB>
+                      <a:noFill/>
+                    </a:lnB>
+                    <a:solidFill>
+                      <a:srgbClr val="E9F7F4"/>
+                    </a:solidFill>
+                  </a:tcPr>
+                </a:tc>
+                <a:tc>
+                  <a:txBody>
+                    <a:bodyPr/>
+                    <a:lstStyle/>
+                    <a:p>
+                      <a:r>
+                        <a:rPr lang="en-US" sz="1200">
+                          <a:latin typeface="Arial"/>
+                        </a:rPr>
+                        <a:t>37.8295</a:t>
+                      </a:r>
+                    </a:p>
+                  </a:txBody>
+                  <a:tcPr anchor="ctr">
+                    <a:lnL>
+                      <a:noFill/>
+                    </a:lnL>
+                    <a:lnR>
+                      <a:noFill/>
+                    </a:lnR>
+                    <a:lnT>
+                      <a:noFill/>
+                    </a:lnT>
+                    <a:lnB>
+                      <a:noFill/>
+                    </a:lnB>
+                    <a:solidFill>
+                      <a:srgbClr val="E9F7F4"/>
+                    </a:solidFill>
+                  </a:tcPr>
+                </a:tc>
+              </a:tr>
+              <a:tr h="254000">
+                <a:tc>
+                  <a:txBody>
+                    <a:bodyPr/>
+                    <a:lstStyle/>
+                    <a:p>
+                      <a:r>
+                        <a:rPr lang="en-US" sz="1200">
+                          <a:latin typeface="Arial"/>
+                        </a:rPr>
+                        <a:t>Transport-moving</a:t>
+                      </a:r>
+                    </a:p>
+                  </a:txBody>
+                  <a:tcPr anchor="ctr">
+                    <a:lnL>
+                      <a:noFill/>
+                    </a:lnL>
+                    <a:lnR>
+                      <a:noFill/>
+                    </a:lnR>
+                    <a:lnT>
+                      <a:noFill/>
+                    </a:lnT>
+                    <a:lnB>
+                      <a:noFill/>
+                    </a:lnB>
+                    <a:solidFill>
+                      <a:srgbClr val="D0D8E8"/>
+                    </a:solidFill>
+                  </a:tcPr>
+                </a:tc>
+                <a:tc>
+                  <a:txBody>
+                    <a:bodyPr/>
+                    <a:lstStyle/>
+                    <a:p>
+                      <a:r>
+                        <a:rPr lang="en-US" sz="1200">
+                          <a:latin typeface="Arial"/>
+                        </a:rPr>
+                        <a:t>44.7083</a:t>
+                      </a:r>
+                    </a:p>
+                  </a:txBody>
+                  <a:tcPr anchor="ctr">
+                    <a:lnL>
+                      <a:noFill/>
+                    </a:lnL>
+                    <a:lnR>
+                      <a:noFill/>
+                    </a:lnR>
+                    <a:lnT>
+                      <a:noFill/>
+                    </a:lnT>
+                    <a:lnB>
+                      <a:noFill/>
+                    </a:lnB>
+                    <a:solidFill>
+                      <a:srgbClr val="D0D8E8"/>
+                    </a:solidFill>
+                  </a:tcPr>
+                </a:tc>
+                <a:tc>
+                  <a:txBody>
+                    <a:bodyPr/>
+                    <a:lstStyle/>
+                    <a:p>
+                      <a:r>
+                        <a:rPr lang="en-US" sz="1200">
+                          <a:latin typeface="Arial"/>
+                        </a:rPr>
+                        <a:t>51.8077</a:t>
+                      </a:r>
+                    </a:p>
+                  </a:txBody>
+                  <a:tcPr anchor="ctr">
+                    <a:lnL>
+                      <a:noFill/>
+                    </a:lnL>
+                    <a:lnR>
+                      <a:noFill/>
+                    </a:lnR>
+                    <a:lnT>
+                      <a:noFill/>
+                    </a:lnT>
+                    <a:lnB>
+                      <a:noFill/>
+                    </a:lnB>
+                    <a:solidFill>
+                      <a:srgbClr val="D0D8E8"/>
+                    </a:solidFill>
+                  </a:tcPr>
+                </a:tc>
+                <a:tc>
+                  <a:txBody>
+                    <a:bodyPr/>
+                    <a:lstStyle/>
+                    <a:p>
+                      <a:r>
+                        <a:rPr lang="en-US" sz="1200">
+                          <a:latin typeface="Arial"/>
+                        </a:rPr>
+                        <a:t>39.1951</a:t>
+                      </a:r>
+                    </a:p>
+                  </a:txBody>
+                  <a:tcPr anchor="ctr">
+                    <a:lnL>
+                      <a:noFill/>
+                    </a:lnL>
+                    <a:lnR>
+                      <a:noFill/>
+                    </a:lnR>
+                    <a:lnT>
+                      <a:noFill/>
+                    </a:lnT>
+                    <a:lnB>
+                      <a:noFill/>
+                    </a:lnB>
+                    <a:solidFill>
+                      <a:srgbClr val="D0D8E8"/>
+                    </a:solidFill>
+                  </a:tcPr>
+                </a:tc>
+                <a:tc>
+                  <a:txBody>
+                    <a:bodyPr/>
+                    <a:lstStyle/>
+                    <a:p>
+                      <a:r>
+                        <a:rPr lang="en-US" sz="1200">
+                          <a:latin typeface="Arial"/>
+                        </a:rPr>
+                        <a:t>38.6783</a:t>
+                      </a:r>
+                    </a:p>
+                  </a:txBody>
+                  <a:tcPr anchor="ctr">
+                    <a:lnL>
+                      <a:noFill/>
+                    </a:lnL>
+                    <a:lnR>
+                      <a:noFill/>
+                    </a:lnR>
+                    <a:lnT>
+                      <a:noFill/>
+                    </a:lnT>
+                    <a:lnB>
+                      <a:noFill/>
+                    </a:lnB>
+                    <a:solidFill>
+                      <a:srgbClr val="D0D8E8"/>
+                    </a:solidFill>
+                  </a:tcPr>
+                </a:tc>
+                <a:tc>
+                  <a:txBody>
+                    <a:bodyPr/>
+                    <a:lstStyle/>
+                    <a:p>
+                      <a:r>
+                        <a:rPr lang="en-US" sz="1200">
+                          <a:latin typeface="Arial"/>
+                        </a:rPr>
+                        <a:t>49.7288</a:t>
+                      </a:r>
+                    </a:p>
+                  </a:txBody>
+                  <a:tcPr anchor="ctr">
+                    <a:lnL>
+                      <a:noFill/>
+                    </a:lnL>
+                    <a:lnR>
+                      <a:noFill/>
+                    </a:lnR>
+                    <a:lnT>
+                      <a:noFill/>
+                    </a:lnT>
+                    <a:lnB>
+                      <a:noFill/>
+                    </a:lnB>
+                    <a:solidFill>
+                      <a:srgbClr val="D0D8E8"/>
+                    </a:solidFill>
+                  </a:tcPr>
+                </a:tc>
+                <a:tc>
+                  <a:txBody>
+                    <a:bodyPr/>
+                    <a:lstStyle/>
+                    <a:p>
+                      <a:r>
+                        <a:rPr lang="en-US" sz="1200">
+                          <a:latin typeface="Arial"/>
+                        </a:rPr>
+                        <a:t>44.7690</a:t>
+                      </a:r>
+                    </a:p>
+                  </a:txBody>
+                  <a:tcPr anchor="ctr">
+                    <a:lnL>
+                      <a:noFill/>
+                    </a:lnL>
+                    <a:lnR>
+                      <a:noFill/>
+                    </a:lnR>
+                    <a:lnT>
+                      <a:noFill/>
+                    </a:lnT>
+                    <a:lnB>
+                      <a:noFill/>
+                    </a:lnB>
+                    <a:solidFill>
+                      <a:srgbClr val="D0D8E8"/>
+                    </a:solidFill>
+                  </a:tcPr>
+                </a:tc>
+              </a:tr>
             </a:tbl>
           </a:graphicData>
         </a:graphic>
       </p:graphicFrame>
+      <p:pic>
+        <p:nvPicPr>
+          <p:cNvPr id="4" name="IBRB4AG47.wav">
+            <a:hlinkClick r:id="" action="ppaction://media"/>
+          </p:cNvPr>
+          <p:cNvPicPr>
+            <a:picLocks noChangeAspect="1"/>
+          </p:cNvPicPr>
+          <p:nvPr>
+            <a:audioFile r:link="rId4"/>
+            <p:extLst>
+              <p:ext uri="{DAA4B4D4-6D71-4841-9C94-3DE7FCFB9230}">
+                <p14:media xmlns:p14="http://schemas.microsoft.com/office/powerpoint/2010/main" r:embed="rId3"/>
+              </p:ext>
+            </p:extLst>
+          </p:nvPr>
+        </p:nvPicPr>
+        <p:blipFill>
+          <a:blip r:embed="rId5"/>
+          <a:stretch>
+            <a:fillRect/>
+          </a:stretch>
+        </p:blipFill>
+        <p:spPr>
+          <a:xfrm>
+            <a:off x="0" y="0"/>
+            <a:ext cx="609600" cy="609600"/>
+          </a:xfrm>
+          <a:prstGeom prst="rect">
+            <a:avLst/>
+          </a:prstGeom>
+        </p:spPr>
+      </p:pic>
     </p:spTree>
   </p:cSld>
   <p:clrMapOvr>
     <a:masterClrMapping/>
   </p:clrMapOvr>
+  <mc:AlternateContent xmlns:mc="http://schemas.openxmlformats.org/markup-compatibility/2006">
+    <mc:Choice xmlns:p14="http://schemas.microsoft.com/office/powerpoint/2010/main" Requires="p14">
+      <p:transition p14:dur="100" advClick="0" advTm="10000">
+        <p:cut/>
+      </p:transition>
+    </mc:Choice>
+    <mc:Fallback>
+      <p:transition advClick="0" advTm="10000">
+        <p:cut/>
+      </p:transition>
+    </mc:Fallback>
+  </mc:AlternateContent>
+  <p:timing>
+    <p:tnLst>
+      <p:par>
+        <p:cTn id="1" dur="indefinite" restart="never" nodeType="tmRoot">
+          <p:childTnLst>
+            <p:seq concurrent="1" nextAc="seek">
+              <p:cTn id="2" dur="indefinite" nodeType="mainSeq">
+                <p:childTnLst>
+                  <p:par>
+                    <p:cTn id="3" fill="hold">
+                      <p:stCondLst>
+                        <p:cond delay="indefinite"/>
+                        <p:cond evt="onBegin" delay="0">
+                          <p:tn val="2"/>
+                        </p:cond>
+                      </p:stCondLst>
+                      <p:childTnLst>
+                        <p:par>
+                          <p:cTn id="4" fill="hold">
+                            <p:stCondLst>
+                              <p:cond delay="0"/>
+                            </p:stCondLst>
+                            <p:childTnLst>
+                              <p:par>
+                                <p:cTn id="5" presetID="1" presetClass="mediacall" presetSubtype="0" fill="hold" nodeType="afterEffect">
+                                  <p:stCondLst>
+                                    <p:cond delay="0"/>
+                                  </p:stCondLst>
+                                  <p:childTnLst>
+                                    <p:cmd type="call" cmd="playFrom(0.0)">
+                                      <p:cBhvr>
+                                        <p:cTn id="6" dur="4169" fill="hold"/>
+                                        <p:tgtEl>
+                                          <p:spTgt spid="4"/>
+                                        </p:tgtEl>
+                                      </p:cBhvr>
+                                    </p:cmd>
+                                  </p:childTnLst>
+                                </p:cTn>
+                              </p:par>
+                            </p:childTnLst>
+                          </p:cTn>
+                        </p:par>
+                      </p:childTnLst>
+                    </p:cTn>
+                  </p:par>
+                </p:childTnLst>
+              </p:cTn>
+              <p:prevCondLst>
+                <p:cond evt="onPrev" delay="0">
+                  <p:tgtEl>
+                    <p:sldTgt/>
+                  </p:tgtEl>
+                </p:cond>
+              </p:prevCondLst>
+              <p:nextCondLst>
+                <p:cond evt="onNext" delay="0">
+                  <p:tgtEl>
+                    <p:sldTgt/>
+                  </p:tgtEl>
+                </p:cond>
+              </p:nextCondLst>
+            </p:seq>
+            <p:audio>
+              <p:cMediaNode vol="100000">
+                <p:cTn id="7" fill="hold" display="0">
+                  <p:stCondLst>
+                    <p:cond delay="indefinite"/>
+                  </p:stCondLst>
+                  <p:endCondLst>
+                    <p:cond evt="onStopAudio" delay="0">
+                      <p:tgtEl>
+                        <p:sldTgt/>
+                      </p:tgtEl>
+                    </p:cond>
+                  </p:endCondLst>
+                </p:cTn>
+                <p:tgtEl>
+                  <p:spTgt spid="4"/>
+                </p:tgtEl>
+              </p:cMediaNode>
+            </p:audio>
+          </p:childTnLst>
+        </p:cTn>
+      </p:par>
+    </p:tnLst>
+  </p:timing>
 </p:sld>
 </file>
 
-<file path=ppt/theme/theme1.xml><?xml version="1.0" encoding="utf-8"?>
+<file path=ppt\slides\slide3.xml><?xml version="1.0" encoding="utf-8"?>
+<p:sld xmlns:r="http://schemas.openxmlformats.org/officeDocument/2006/relationships" xmlns:p="http://schemas.openxmlformats.org/presentationml/2006/main" xmlns:a="http://schemas.openxmlformats.org/drawingml/2006/main">
+  <p:cSld>
+    <p:spTree>
+      <p:nvGrpSpPr>
+        <p:cNvPr id="1" name=""/>
+        <p:cNvGrpSpPr/>
+        <p:nvPr/>
+      </p:nvGrpSpPr>
+      <p:grpSpPr>
+        <a:xfrm>
+          <a:off x="0" y="0"/>
+          <a:ext cx="0" cy="0"/>
+          <a:chOff x="0" y="0"/>
+          <a:chExt cx="0" cy="0"/>
+        </a:xfrm>
+      </p:grpSpPr>
+      <p:graphicFrame>
+        <p:nvGraphicFramePr>
+          <p:cNvPr name="Table 1" id="2"/>
+          <p:cNvGraphicFramePr>
+            <a:graphicFrameLocks noGrp="true"/>
+          </p:cNvGraphicFramePr>
+          <p:nvPr/>
+        </p:nvGraphicFramePr>
+        <p:xfrm>
+          <a:off x="3556000" y="1270000"/>
+          <a:ext cx="1270000" cy="1270000"/>
+        </p:xfrm>
+        <a:graphic>
+          <a:graphicData uri="http://schemas.openxmlformats.org/drawingml/2006/table">
+            <a:tbl>
+              <a:tblPr/>
+              <a:tblGrid>
+                <a:gridCol w="1016000"/>
+                <a:gridCol w="1016000"/>
+              </a:tblGrid>
+              <a:tr h="254000">
+                <a:tc>
+                  <a:txBody>
+                    <a:bodyPr/>
+                    <a:lstStyle/>
+                    <a:p>
+                      <a:r>
+                        <a:rPr lang="en-US" sz="1200">
+                          <a:latin typeface="Arial"/>
+                        </a:rPr>
+                        <a:t/>
+                      </a:r>
+                    </a:p>
+                  </a:txBody>
+                  <a:tcPr anchor="ctr">
+                    <a:lnL>
+                      <a:noFill/>
+                    </a:lnL>
+                    <a:lnR>
+                      <a:noFill/>
+                    </a:lnR>
+                    <a:lnT>
+                      <a:noFill/>
+                    </a:lnT>
+                    <a:lnB>
+                      <a:noFill/>
+                    </a:lnB>
+                    <a:solidFill>
+                      <a:srgbClr val="D0D8E8"/>
+                    </a:solidFill>
+                  </a:tcPr>
+                </a:tc>
+                <a:tc>
+                  <a:txBody>
+                    <a:bodyPr/>
+                    <a:lstStyle/>
+                    <a:p>
+                      <a:r>
+                        <a:rPr lang="en-US" sz="1200">
+                          <a:latin typeface="Arial"/>
+                        </a:rPr>
+                        <a:t>Without-pay</a:t>
+                      </a:r>
+                    </a:p>
+                  </a:txBody>
+                  <a:tcPr anchor="ctr">
+                    <a:lnL>
+                      <a:noFill/>
+                    </a:lnL>
+                    <a:lnR>
+                      <a:noFill/>
+                    </a:lnR>
+                    <a:lnT>
+                      <a:noFill/>
+                    </a:lnT>
+                    <a:lnB>
+                      <a:noFill/>
+                    </a:lnB>
+                    <a:solidFill>
+                      <a:srgbClr val="D0D8E8"/>
+                    </a:solidFill>
+                  </a:tcPr>
+                </a:tc>
+              </a:tr>
+              <a:tr h="254000">
+                <a:tc>
+                  <a:txBody>
+                    <a:bodyPr/>
+                    <a:lstStyle/>
+                    <a:p>
+                      <a:r>
+                        <a:rPr lang="en-US" sz="1200">
+                          <a:latin typeface="Arial"/>
+                        </a:rPr>
+                        <a:t>Craft-repair</a:t>
+                      </a:r>
+                    </a:p>
+                  </a:txBody>
+                  <a:tcPr anchor="ctr">
+                    <a:lnL>
+                      <a:noFill/>
+                    </a:lnL>
+                    <a:lnR>
+                      <a:noFill/>
+                    </a:lnR>
+                    <a:lnT>
+                      <a:noFill/>
+                    </a:lnT>
+                    <a:lnB>
+                      <a:noFill/>
+                    </a:lnB>
+                    <a:solidFill>
+                      <a:srgbClr val="E9F7F4"/>
+                    </a:solidFill>
+                  </a:tcPr>
+                </a:tc>
+                <a:tc>
+                  <a:txBody>
+                    <a:bodyPr/>
+                    <a:lstStyle/>
+                    <a:p>
+                      <a:r>
+                        <a:rPr lang="en-US" sz="1200">
+                          <a:latin typeface="Arial"/>
+                        </a:rPr>
+                        <a:t>40.0000</a:t>
+                      </a:r>
+                    </a:p>
+                  </a:txBody>
+                  <a:tcPr anchor="ctr">
+                    <a:lnL>
+                      <a:noFill/>
+                    </a:lnL>
+                    <a:lnR>
+                      <a:noFill/>
+                    </a:lnR>
+                    <a:lnT>
+                      <a:noFill/>
+                    </a:lnT>
+                    <a:lnB>
+                      <a:noFill/>
+                    </a:lnB>
+                    <a:solidFill>
+                      <a:srgbClr val="E9F7F4"/>
+                    </a:solidFill>
+                  </a:tcPr>
+                </a:tc>
+              </a:tr>
+              <a:tr h="254000">
+                <a:tc>
+                  <a:txBody>
+                    <a:bodyPr/>
+                    <a:lstStyle/>
+                    <a:p>
+                      <a:r>
+                        <a:rPr lang="en-US" sz="1200">
+                          <a:latin typeface="Arial"/>
+                        </a:rPr>
+                        <a:t>Machine-op-inspct</a:t>
+                      </a:r>
+                    </a:p>
+                  </a:txBody>
+                  <a:tcPr anchor="ctr">
+                    <a:lnL>
+                      <a:noFill/>
+                    </a:lnL>
+                    <a:lnR>
+                      <a:noFill/>
+                    </a:lnR>
+                    <a:lnT>
+                      <a:noFill/>
+                    </a:lnT>
+                    <a:lnB>
+                      <a:noFill/>
+                    </a:lnB>
+                    <a:solidFill>
+                      <a:srgbClr val="D0D8E8"/>
+                    </a:solidFill>
+                  </a:tcPr>
+                </a:tc>
+                <a:tc>
+                  <a:txBody>
+                    <a:bodyPr/>
+                    <a:lstStyle/>
+                    <a:p>
+                      <a:r>
+                        <a:rPr lang="en-US" sz="1200">
+                          <a:latin typeface="Arial"/>
+                        </a:rPr>
+                        <a:t>25.0000</a:t>
+                      </a:r>
+                    </a:p>
+                  </a:txBody>
+                  <a:tcPr anchor="ctr">
+                    <a:lnL>
+                      <a:noFill/>
+                    </a:lnL>
+                    <a:lnR>
+                      <a:noFill/>
+                    </a:lnR>
+                    <a:lnT>
+                      <a:noFill/>
+                    </a:lnT>
+                    <a:lnB>
+                      <a:noFill/>
+                    </a:lnB>
+                    <a:solidFill>
+                      <a:srgbClr val="D0D8E8"/>
+                    </a:solidFill>
+                  </a:tcPr>
+                </a:tc>
+              </a:tr>
+              <a:tr h="254000">
+                <a:tc>
+                  <a:txBody>
+                    <a:bodyPr/>
+                    <a:lstStyle/>
+                    <a:p>
+                      <a:r>
+                        <a:rPr lang="en-US" sz="1200">
+                          <a:latin typeface="Arial"/>
+                        </a:rPr>
+                        <a:t>Handlers-cleaners</a:t>
+                      </a:r>
+                    </a:p>
+                  </a:txBody>
+                  <a:tcPr anchor="ctr">
+                    <a:lnL>
+                      <a:noFill/>
+                    </a:lnL>
+                    <a:lnR>
+                      <a:noFill/>
+                    </a:lnR>
+                    <a:lnT>
+                      <a:noFill/>
+                    </a:lnT>
+                    <a:lnB>
+                      <a:noFill/>
+                    </a:lnB>
+                    <a:solidFill>
+                      <a:srgbClr val="E9F7F4"/>
+                    </a:solidFill>
+                  </a:tcPr>
+                </a:tc>
+                <a:tc>
+                  <a:txBody>
+                    <a:bodyPr/>
+                    <a:lstStyle/>
+                    <a:p>
+                      <a:r>
+                        <a:rPr lang="en-US" sz="1200">
+                          <a:latin typeface="Arial"/>
+                        </a:rPr>
+                        <a:t>40.0000</a:t>
+                      </a:r>
+                    </a:p>
+                  </a:txBody>
+                  <a:tcPr anchor="ctr">
+                    <a:lnL>
+                      <a:noFill/>
+                    </a:lnL>
+                    <a:lnR>
+                      <a:noFill/>
+                    </a:lnR>
+                    <a:lnT>
+                      <a:noFill/>
+                    </a:lnT>
+                    <a:lnB>
+                      <a:noFill/>
+                    </a:lnB>
+                    <a:solidFill>
+                      <a:srgbClr val="E9F7F4"/>
+                    </a:solidFill>
+                  </a:tcPr>
+                </a:tc>
+              </a:tr>
+              <a:tr h="254000">
+                <a:tc>
+                  <a:txBody>
+                    <a:bodyPr/>
+                    <a:lstStyle/>
+                    <a:p>
+                      <a:r>
+                        <a:rPr lang="en-US" sz="1200">
+                          <a:latin typeface="Arial"/>
+                        </a:rPr>
+                        <a:t>Transport-moving</a:t>
+                      </a:r>
+                    </a:p>
+                  </a:txBody>
+                  <a:tcPr anchor="ctr">
+                    <a:lnL>
+                      <a:noFill/>
+                    </a:lnL>
+                    <a:lnR>
+                      <a:noFill/>
+                    </a:lnR>
+                    <a:lnT>
+                      <a:noFill/>
+                    </a:lnT>
+                    <a:lnB>
+                      <a:noFill/>
+                    </a:lnB>
+                    <a:solidFill>
+                      <a:srgbClr val="D0D8E8"/>
+                    </a:solidFill>
+                  </a:tcPr>
+                </a:tc>
+                <a:tc>
+                  <a:txBody>
+                    <a:bodyPr/>
+                    <a:lstStyle/>
+                    <a:p>
+                      <a:r>
+                        <a:rPr lang="en-US" sz="1200">
+                          <a:latin typeface="Arial"/>
+                        </a:rPr>
+                        <a:t>20.0000</a:t>
+                      </a:r>
+                    </a:p>
+                  </a:txBody>
+                  <a:tcPr anchor="ctr">
+                    <a:lnL>
+                      <a:noFill/>
+                    </a:lnL>
+                    <a:lnR>
+                      <a:noFill/>
+                    </a:lnR>
+                    <a:lnT>
+                      <a:noFill/>
+                    </a:lnT>
+                    <a:lnB>
+                      <a:noFill/>
+                    </a:lnB>
+                    <a:solidFill>
+                      <a:srgbClr val="D0D8E8"/>
+                    </a:solidFill>
+                  </a:tcPr>
+                </a:tc>
+              </a:tr>
+            </a:tbl>
+          </a:graphicData>
+        </a:graphic>
+      </p:graphicFrame>
+      <p:pic>
+        <p:nvPicPr>
+          <p:cNvPr id="4" name="L2K6JYO.wav">
+            <a:hlinkClick r:id="" action="ppaction://media"/>
+          </p:cNvPr>
+          <p:cNvPicPr>
+            <a:picLocks noChangeAspect="1"/>
+          </p:cNvPicPr>
+          <p:nvPr>
+            <a:audioFile r:link="rId4"/>
+            <p:extLst>
+              <p:ext uri="{DAA4B4D4-6D71-4841-9C94-3DE7FCFB9230}">
+                <p14:media xmlns:p14="http://schemas.microsoft.com/office/powerpoint/2010/main" r:embed="rId3"/>
+              </p:ext>
+            </p:extLst>
+          </p:nvPr>
+        </p:nvPicPr>
+        <p:blipFill>
+          <a:blip r:embed="rId5"/>
+          <a:stretch>
+            <a:fillRect/>
+          </a:stretch>
+        </p:blipFill>
+        <p:spPr>
+          <a:xfrm>
+            <a:off x="0" y="0"/>
+            <a:ext cx="609600" cy="609600"/>
+          </a:xfrm>
+          <a:prstGeom prst="rect">
+            <a:avLst/>
+          </a:prstGeom>
+        </p:spPr>
+      </p:pic>
+    </p:spTree>
+  </p:cSld>
+  <p:clrMapOvr>
+    <a:masterClrMapping/>
+  </p:clrMapOvr>
+  <mc:AlternateContent xmlns:mc="http://schemas.openxmlformats.org/markup-compatibility/2006">
+    <mc:Choice xmlns:p14="http://schemas.microsoft.com/office/powerpoint/2010/main" Requires="p14">
+      <p:transition p14:dur="100" advClick="0" advTm="10000">
+        <p:cut/>
+      </p:transition>
+    </mc:Choice>
+    <mc:Fallback>
+      <p:transition advClick="0" advTm="10000">
+        <p:cut/>
+      </p:transition>
+    </mc:Fallback>
+  </mc:AlternateContent>
+  <p:timing>
+    <p:tnLst>
+      <p:par>
+        <p:cTn id="1" dur="indefinite" restart="never" nodeType="tmRoot">
+          <p:childTnLst>
+            <p:seq concurrent="1" nextAc="seek">
+              <p:cTn id="2" dur="indefinite" nodeType="mainSeq">
+                <p:childTnLst>
+                  <p:par>
+                    <p:cTn id="3" fill="hold">
+                      <p:stCondLst>
+                        <p:cond delay="indefinite"/>
+                        <p:cond evt="onBegin" delay="0">
+                          <p:tn val="2"/>
+                        </p:cond>
+                      </p:stCondLst>
+                      <p:childTnLst>
+                        <p:par>
+                          <p:cTn id="4" fill="hold">
+                            <p:stCondLst>
+                              <p:cond delay="0"/>
+                            </p:stCondLst>
+                            <p:childTnLst>
+                              <p:par>
+                                <p:cTn id="5" presetID="1" presetClass="mediacall" presetSubtype="0" fill="hold" nodeType="afterEffect">
+                                  <p:stCondLst>
+                                    <p:cond delay="0"/>
+                                  </p:stCondLst>
+                                  <p:childTnLst>
+                                    <p:cmd type="call" cmd="playFrom(0.0)">
+                                      <p:cBhvr>
+                                        <p:cTn id="6" dur="4169" fill="hold"/>
+                                        <p:tgtEl>
+                                          <p:spTgt spid="4"/>
+                                        </p:tgtEl>
+                                      </p:cBhvr>
+                                    </p:cmd>
+                                  </p:childTnLst>
+                                </p:cTn>
+                              </p:par>
+                            </p:childTnLst>
+                          </p:cTn>
+                        </p:par>
+                      </p:childTnLst>
+                    </p:cTn>
+                  </p:par>
+                </p:childTnLst>
+              </p:cTn>
+              <p:prevCondLst>
+                <p:cond evt="onPrev" delay="0">
+                  <p:tgtEl>
+                    <p:sldTgt/>
+                  </p:tgtEl>
+                </p:cond>
+              </p:prevCondLst>
+              <p:nextCondLst>
+                <p:cond evt="onNext" delay="0">
+                  <p:tgtEl>
+                    <p:sldTgt/>
+                  </p:tgtEl>
+                </p:cond>
+              </p:nextCondLst>
+            </p:seq>
+            <p:audio>
+              <p:cMediaNode vol="100000">
+                <p:cTn id="7" fill="hold" display="0">
+                  <p:stCondLst>
+                    <p:cond delay="indefinite"/>
+                  </p:stCondLst>
+                  <p:endCondLst>
+                    <p:cond evt="onStopAudio" delay="0">
+                      <p:tgtEl>
+                        <p:sldTgt/>
+                      </p:tgtEl>
+                    </p:cond>
+                  </p:endCondLst>
+                </p:cTn>
+                <p:tgtEl>
+                  <p:spTgt spid="4"/>
+                </p:tgtEl>
+              </p:cMediaNode>
+            </p:audio>
+          </p:childTnLst>
+        </p:cTn>
+      </p:par>
+    </p:tnLst>
+  </p:timing>
+</p:sld>
+</file>
+
+<file path=ppt\slides\slide4.xml><?xml version="1.0" encoding="utf-8"?>
+<p:sld xmlns:r="http://schemas.openxmlformats.org/officeDocument/2006/relationships" xmlns:p="http://schemas.openxmlformats.org/presentationml/2006/main" xmlns:a="http://schemas.openxmlformats.org/drawingml/2006/main">
+  <p:cSld>
+    <p:spTree>
+      <p:nvGrpSpPr>
+        <p:cNvPr id="1" name=""/>
+        <p:cNvGrpSpPr/>
+        <p:nvPr/>
+      </p:nvGrpSpPr>
+      <p:grpSpPr>
+        <a:xfrm>
+          <a:off x="0" y="0"/>
+          <a:ext cx="0" cy="0"/>
+          <a:chOff x="0" y="0"/>
+          <a:chExt cx="0" cy="0"/>
+        </a:xfrm>
+      </p:grpSpPr>
+      <p:graphicFrame>
+        <p:nvGraphicFramePr>
+          <p:cNvPr name="Table 1" id="2"/>
+          <p:cNvGraphicFramePr>
+            <a:graphicFrameLocks noGrp="true"/>
+          </p:cNvGraphicFramePr>
+          <p:nvPr/>
+        </p:nvGraphicFramePr>
+        <p:xfrm>
+          <a:off x="1016000" y="1270000"/>
+          <a:ext cx="1270000" cy="1270000"/>
+        </p:xfrm>
+        <a:graphic>
+          <a:graphicData uri="http://schemas.openxmlformats.org/drawingml/2006/table">
+            <a:tbl>
+              <a:tblPr/>
+              <a:tblGrid>
+                <a:gridCol w="1016000"/>
+                <a:gridCol w="1016000"/>
+                <a:gridCol w="1016000"/>
+                <a:gridCol w="1016000"/>
+                <a:gridCol w="1016000"/>
+                <a:gridCol w="1016000"/>
+                <a:gridCol w="1016000"/>
+              </a:tblGrid>
+              <a:tr h="254000">
+                <a:tc>
+                  <a:txBody>
+                    <a:bodyPr/>
+                    <a:lstStyle/>
+                    <a:p>
+                      <a:r>
+                        <a:rPr lang="en-US" sz="1200">
+                          <a:latin typeface="Arial"/>
+                        </a:rPr>
+                        <a:t/>
+                      </a:r>
+                    </a:p>
+                  </a:txBody>
+                  <a:tcPr anchor="ctr">
+                    <a:lnL>
+                      <a:noFill/>
+                    </a:lnL>
+                    <a:lnR>
+                      <a:noFill/>
+                    </a:lnR>
+                    <a:lnT>
+                      <a:noFill/>
+                    </a:lnT>
+                    <a:lnB>
+                      <a:noFill/>
+                    </a:lnB>
+                    <a:solidFill>
+                      <a:srgbClr val="D0D8E8"/>
+                    </a:solidFill>
+                  </a:tcPr>
+                </a:tc>
+                <a:tc>
+                  <a:txBody>
+                    <a:bodyPr/>
+                    <a:lstStyle/>
+                    <a:p>
+                      <a:r>
+                        <a:rPr lang="en-US" sz="1200">
+                          <a:latin typeface="Arial"/>
+                        </a:rPr>
+                        <a:t>Federal-gov</a:t>
+                      </a:r>
+                    </a:p>
+                  </a:txBody>
+                  <a:tcPr anchor="ctr">
+                    <a:lnL>
+                      <a:noFill/>
+                    </a:lnL>
+                    <a:lnR>
+                      <a:noFill/>
+                    </a:lnR>
+                    <a:lnT>
+                      <a:noFill/>
+                    </a:lnT>
+                    <a:lnB>
+                      <a:noFill/>
+                    </a:lnB>
+                    <a:solidFill>
+                      <a:srgbClr val="D0D8E8"/>
+                    </a:solidFill>
+                  </a:tcPr>
+                </a:tc>
+                <a:tc>
+                  <a:txBody>
+                    <a:bodyPr/>
+                    <a:lstStyle/>
+                    <a:p>
+                      <a:r>
+                        <a:rPr lang="en-US" sz="1200">
+                          <a:latin typeface="Arial"/>
+                        </a:rPr>
+                        <a:t>Self-emp-inc</a:t>
+                      </a:r>
+                    </a:p>
+                  </a:txBody>
+                  <a:tcPr anchor="ctr">
+                    <a:lnL>
+                      <a:noFill/>
+                    </a:lnL>
+                    <a:lnR>
+                      <a:noFill/>
+                    </a:lnR>
+                    <a:lnT>
+                      <a:noFill/>
+                    </a:lnT>
+                    <a:lnB>
+                      <a:noFill/>
+                    </a:lnB>
+                    <a:solidFill>
+                      <a:srgbClr val="D0D8E8"/>
+                    </a:solidFill>
+                  </a:tcPr>
+                </a:tc>
+                <a:tc>
+                  <a:txBody>
+                    <a:bodyPr/>
+                    <a:lstStyle/>
+                    <a:p>
+                      <a:r>
+                        <a:rPr lang="en-US" sz="1200">
+                          <a:latin typeface="Arial"/>
+                        </a:rPr>
+                        <a:t>State-gov</a:t>
+                      </a:r>
+                    </a:p>
+                  </a:txBody>
+                  <a:tcPr anchor="ctr">
+                    <a:lnL>
+                      <a:noFill/>
+                    </a:lnL>
+                    <a:lnR>
+                      <a:noFill/>
+                    </a:lnR>
+                    <a:lnT>
+                      <a:noFill/>
+                    </a:lnT>
+                    <a:lnB>
+                      <a:noFill/>
+                    </a:lnB>
+                    <a:solidFill>
+                      <a:srgbClr val="D0D8E8"/>
+                    </a:solidFill>
+                  </a:tcPr>
+                </a:tc>
+                <a:tc>
+                  <a:txBody>
+                    <a:bodyPr/>
+                    <a:lstStyle/>
+                    <a:p>
+                      <a:r>
+                        <a:rPr lang="en-US" sz="1200">
+                          <a:latin typeface="Arial"/>
+                        </a:rPr>
+                        <a:t>Local-gov</a:t>
+                      </a:r>
+                    </a:p>
+                  </a:txBody>
+                  <a:tcPr anchor="ctr">
+                    <a:lnL>
+                      <a:noFill/>
+                    </a:lnL>
+                    <a:lnR>
+                      <a:noFill/>
+                    </a:lnR>
+                    <a:lnT>
+                      <a:noFill/>
+                    </a:lnT>
+                    <a:lnB>
+                      <a:noFill/>
+                    </a:lnB>
+                    <a:solidFill>
+                      <a:srgbClr val="D0D8E8"/>
+                    </a:solidFill>
+                  </a:tcPr>
+                </a:tc>
+                <a:tc>
+                  <a:txBody>
+                    <a:bodyPr/>
+                    <a:lstStyle/>
+                    <a:p>
+                      <a:r>
+                        <a:rPr lang="en-US" sz="1200">
+                          <a:latin typeface="Arial"/>
+                        </a:rPr>
+                        <a:t>Self-emp-not-inc</a:t>
+                      </a:r>
+                    </a:p>
+                  </a:txBody>
+                  <a:tcPr anchor="ctr">
+                    <a:lnL>
+                      <a:noFill/>
+                    </a:lnL>
+                    <a:lnR>
+                      <a:noFill/>
+                    </a:lnR>
+                    <a:lnT>
+                      <a:noFill/>
+                    </a:lnT>
+                    <a:lnB>
+                      <a:noFill/>
+                    </a:lnB>
+                    <a:solidFill>
+                      <a:srgbClr val="D0D8E8"/>
+                    </a:solidFill>
+                  </a:tcPr>
+                </a:tc>
+                <a:tc>
+                  <a:txBody>
+                    <a:bodyPr/>
+                    <a:lstStyle/>
+                    <a:p>
+                      <a:r>
+                        <a:rPr lang="en-US" sz="1200">
+                          <a:latin typeface="Arial"/>
+                        </a:rPr>
+                        <a:t>Private</a:t>
+                      </a:r>
+                    </a:p>
+                  </a:txBody>
+                  <a:tcPr anchor="ctr">
+                    <a:lnL>
+                      <a:noFill/>
+                    </a:lnL>
+                    <a:lnR>
+                      <a:noFill/>
+                    </a:lnR>
+                    <a:lnT>
+                      <a:noFill/>
+                    </a:lnT>
+                    <a:lnB>
+                      <a:noFill/>
+                    </a:lnB>
+                    <a:solidFill>
+                      <a:srgbClr val="D0D8E8"/>
+                    </a:solidFill>
+                  </a:tcPr>
+                </a:tc>
+              </a:tr>
+              <a:tr h="254000">
+                <a:tc>
+                  <a:txBody>
+                    <a:bodyPr/>
+                    <a:lstStyle/>
+                    <a:p>
+                      <a:r>
+                        <a:rPr lang="en-US" sz="1200">
+                          <a:latin typeface="Arial"/>
+                        </a:rPr>
+                        <a:t>Sales</a:t>
+                      </a:r>
+                    </a:p>
+                  </a:txBody>
+                  <a:tcPr anchor="ctr">
+                    <a:lnL>
+                      <a:noFill/>
+                    </a:lnL>
+                    <a:lnR>
+                      <a:noFill/>
+                    </a:lnR>
+                    <a:lnT>
+                      <a:noFill/>
+                    </a:lnT>
+                    <a:lnB>
+                      <a:noFill/>
+                    </a:lnB>
+                    <a:solidFill>
+                      <a:srgbClr val="E9F7F4"/>
+                    </a:solidFill>
+                  </a:tcPr>
+                </a:tc>
+                <a:tc>
+                  <a:txBody>
+                    <a:bodyPr/>
+                    <a:lstStyle/>
+                    <a:p>
+                      <a:r>
+                        <a:rPr lang="en-US" sz="1200">
+                          <a:latin typeface="Arial"/>
+                        </a:rPr>
+                        <a:t>41.8571</a:t>
+                      </a:r>
+                    </a:p>
+                  </a:txBody>
+                  <a:tcPr anchor="ctr">
+                    <a:lnL>
+                      <a:noFill/>
+                    </a:lnL>
+                    <a:lnR>
+                      <a:noFill/>
+                    </a:lnR>
+                    <a:lnT>
+                      <a:noFill/>
+                    </a:lnT>
+                    <a:lnB>
+                      <a:noFill/>
+                    </a:lnB>
+                    <a:solidFill>
+                      <a:srgbClr val="E9F7F4"/>
+                    </a:solidFill>
+                  </a:tcPr>
+                </a:tc>
+                <a:tc>
+                  <a:txBody>
+                    <a:bodyPr/>
+                    <a:lstStyle/>
+                    <a:p>
+                      <a:r>
+                        <a:rPr lang="en-US" sz="1200">
+                          <a:latin typeface="Arial"/>
+                        </a:rPr>
+                        <a:t>48.5196</a:t>
+                      </a:r>
+                    </a:p>
+                  </a:txBody>
+                  <a:tcPr anchor="ctr">
+                    <a:lnL>
+                      <a:noFill/>
+                    </a:lnL>
+                    <a:lnR>
+                      <a:noFill/>
+                    </a:lnR>
+                    <a:lnT>
+                      <a:noFill/>
+                    </a:lnT>
+                    <a:lnB>
+                      <a:noFill/>
+                    </a:lnB>
+                    <a:solidFill>
+                      <a:srgbClr val="E9F7F4"/>
+                    </a:solidFill>
+                  </a:tcPr>
+                </a:tc>
+                <a:tc>
+                  <a:txBody>
+                    <a:bodyPr/>
+                    <a:lstStyle/>
+                    <a:p>
+                      <a:r>
+                        <a:rPr lang="en-US" sz="1200">
+                          <a:latin typeface="Arial"/>
+                        </a:rPr>
+                        <a:t>38.0000</a:t>
+                      </a:r>
+                    </a:p>
+                  </a:txBody>
+                  <a:tcPr anchor="ctr">
+                    <a:lnL>
+                      <a:noFill/>
+                    </a:lnL>
+                    <a:lnR>
+                      <a:noFill/>
+                    </a:lnR>
+                    <a:lnT>
+                      <a:noFill/>
+                    </a:lnT>
+                    <a:lnB>
+                      <a:noFill/>
+                    </a:lnB>
+                    <a:solidFill>
+                      <a:srgbClr val="E9F7F4"/>
+                    </a:solidFill>
+                  </a:tcPr>
+                </a:tc>
+                <a:tc>
+                  <a:txBody>
+                    <a:bodyPr/>
+                    <a:lstStyle/>
+                    <a:p>
+                      <a:r>
+                        <a:rPr lang="en-US" sz="1200">
+                          <a:latin typeface="Arial"/>
+                        </a:rPr>
+                        <a:t>35.1429</a:t>
+                      </a:r>
+                    </a:p>
+                  </a:txBody>
+                  <a:tcPr anchor="ctr">
+                    <a:lnL>
+                      <a:noFill/>
+                    </a:lnL>
+                    <a:lnR>
+                      <a:noFill/>
+                    </a:lnR>
+                    <a:lnT>
+                      <a:noFill/>
+                    </a:lnT>
+                    <a:lnB>
+                      <a:noFill/>
+                    </a:lnB>
+                    <a:solidFill>
+                      <a:srgbClr val="E9F7F4"/>
+                    </a:solidFill>
+                  </a:tcPr>
+                </a:tc>
+                <a:tc>
+                  <a:txBody>
+                    <a:bodyPr/>
+                    <a:lstStyle/>
+                    <a:p>
+                      <a:r>
+                        <a:rPr lang="en-US" sz="1200">
+                          <a:latin typeface="Arial"/>
+                        </a:rPr>
+                        <a:t>45.4654</a:t>
+                      </a:r>
+                    </a:p>
+                  </a:txBody>
+                  <a:tcPr anchor="ctr">
+                    <a:lnL>
+                      <a:noFill/>
+                    </a:lnL>
+                    <a:lnR>
+                      <a:noFill/>
+                    </a:lnR>
+                    <a:lnT>
+                      <a:noFill/>
+                    </a:lnT>
+                    <a:lnB>
+                      <a:noFill/>
+                    </a:lnB>
+                    <a:solidFill>
+                      <a:srgbClr val="E9F7F4"/>
+                    </a:solidFill>
+                  </a:tcPr>
+                </a:tc>
+                <a:tc>
+                  <a:txBody>
+                    <a:bodyPr/>
+                    <a:lstStyle/>
+                    <a:p>
+                      <a:r>
+                        <a:rPr lang="en-US" sz="1200">
+                          <a:latin typeface="Arial"/>
+                        </a:rPr>
+                        <a:t>39.4187</a:t>
+                      </a:r>
+                    </a:p>
+                  </a:txBody>
+                  <a:tcPr anchor="ctr">
+                    <a:lnL>
+                      <a:noFill/>
+                    </a:lnL>
+                    <a:lnR>
+                      <a:noFill/>
+                    </a:lnR>
+                    <a:lnT>
+                      <a:noFill/>
+                    </a:lnT>
+                    <a:lnB>
+                      <a:noFill/>
+                    </a:lnB>
+                    <a:solidFill>
+                      <a:srgbClr val="E9F7F4"/>
+                    </a:solidFill>
+                  </a:tcPr>
+                </a:tc>
+              </a:tr>
+              <a:tr h="254000">
+                <a:tc>
+                  <a:txBody>
+                    <a:bodyPr/>
+                    <a:lstStyle/>
+                    <a:p>
+                      <a:r>
+                        <a:rPr lang="en-US" sz="1200">
+                          <a:latin typeface="Arial"/>
+                        </a:rPr>
+                        <a:t>Protective-serv</a:t>
+                      </a:r>
+                    </a:p>
+                  </a:txBody>
+                  <a:tcPr anchor="ctr">
+                    <a:lnL>
+                      <a:noFill/>
+                    </a:lnL>
+                    <a:lnR>
+                      <a:noFill/>
+                    </a:lnR>
+                    <a:lnT>
+                      <a:noFill/>
+                    </a:lnT>
+                    <a:lnB>
+                      <a:noFill/>
+                    </a:lnB>
+                    <a:solidFill>
+                      <a:srgbClr val="D0D8E8"/>
+                    </a:solidFill>
+                  </a:tcPr>
+                </a:tc>
+                <a:tc>
+                  <a:txBody>
+                    <a:bodyPr/>
+                    <a:lstStyle/>
+                    <a:p>
+                      <a:r>
+                        <a:rPr lang="en-US" sz="1200">
+                          <a:latin typeface="Arial"/>
+                        </a:rPr>
+                        <a:t>49.0741</a:t>
+                      </a:r>
+                    </a:p>
+                  </a:txBody>
+                  <a:tcPr anchor="ctr">
+                    <a:lnL>
+                      <a:noFill/>
+                    </a:lnL>
+                    <a:lnR>
+                      <a:noFill/>
+                    </a:lnR>
+                    <a:lnT>
+                      <a:noFill/>
+                    </a:lnT>
+                    <a:lnB>
+                      <a:noFill/>
+                    </a:lnB>
+                    <a:solidFill>
+                      <a:srgbClr val="D0D8E8"/>
+                    </a:solidFill>
+                  </a:tcPr>
+                </a:tc>
+                <a:tc>
+                  <a:txBody>
+                    <a:bodyPr/>
+                    <a:lstStyle/>
+                    <a:p>
+                      <a:r>
+                        <a:rPr lang="en-US" sz="1200">
+                          <a:latin typeface="Arial"/>
+                        </a:rPr>
+                        <a:t>58.2000</a:t>
+                      </a:r>
+                    </a:p>
+                  </a:txBody>
+                  <a:tcPr anchor="ctr">
+                    <a:lnL>
+                      <a:noFill/>
+                    </a:lnL>
+                    <a:lnR>
+                      <a:noFill/>
+                    </a:lnR>
+                    <a:lnT>
+                      <a:noFill/>
+                    </a:lnT>
+                    <a:lnB>
+                      <a:noFill/>
+                    </a:lnB>
+                    <a:solidFill>
+                      <a:srgbClr val="D0D8E8"/>
+                    </a:solidFill>
+                  </a:tcPr>
+                </a:tc>
+                <a:tc>
+                  <a:txBody>
+                    <a:bodyPr/>
+                    <a:lstStyle/>
+                    <a:p>
+                      <a:r>
+                        <a:rPr lang="en-US" sz="1200">
+                          <a:latin typeface="Arial"/>
+                        </a:rPr>
+                        <a:t>42.5776</a:t>
+                      </a:r>
+                    </a:p>
+                  </a:txBody>
+                  <a:tcPr anchor="ctr">
+                    <a:lnL>
+                      <a:noFill/>
+                    </a:lnL>
+                    <a:lnR>
+                      <a:noFill/>
+                    </a:lnR>
+                    <a:lnT>
+                      <a:noFill/>
+                    </a:lnT>
+                    <a:lnB>
+                      <a:noFill/>
+                    </a:lnB>
+                    <a:solidFill>
+                      <a:srgbClr val="D0D8E8"/>
+                    </a:solidFill>
+                  </a:tcPr>
+                </a:tc>
+                <a:tc>
+                  <a:txBody>
+                    <a:bodyPr/>
+                    <a:lstStyle/>
+                    <a:p>
+                      <a:r>
+                        <a:rPr lang="en-US" sz="1200">
+                          <a:latin typeface="Arial"/>
+                        </a:rPr>
+                        <a:t>44.3783</a:t>
+                      </a:r>
+                    </a:p>
+                  </a:txBody>
+                  <a:tcPr anchor="ctr">
+                    <a:lnL>
+                      <a:noFill/>
+                    </a:lnL>
+                    <a:lnR>
+                      <a:noFill/>
+                    </a:lnR>
+                    <a:lnT>
+                      <a:noFill/>
+                    </a:lnT>
+                    <a:lnB>
+                      <a:noFill/>
+                    </a:lnB>
+                    <a:solidFill>
+                      <a:srgbClr val="D0D8E8"/>
+                    </a:solidFill>
+                  </a:tcPr>
+                </a:tc>
+                <a:tc>
+                  <a:txBody>
+                    <a:bodyPr/>
+                    <a:lstStyle/>
+                    <a:p>
+                      <a:r>
+                        <a:rPr lang="en-US" sz="1200">
+                          <a:latin typeface="Arial"/>
+                        </a:rPr>
+                        <a:t>29.6667</a:t>
+                      </a:r>
+                    </a:p>
+                  </a:txBody>
+                  <a:tcPr anchor="ctr">
+                    <a:lnL>
+                      <a:noFill/>
+                    </a:lnL>
+                    <a:lnR>
+                      <a:noFill/>
+                    </a:lnR>
+                    <a:lnT>
+                      <a:noFill/>
+                    </a:lnT>
+                    <a:lnB>
+                      <a:noFill/>
+                    </a:lnB>
+                    <a:solidFill>
+                      <a:srgbClr val="D0D8E8"/>
+                    </a:solidFill>
+                  </a:tcPr>
+                </a:tc>
+                <a:tc>
+                  <a:txBody>
+                    <a:bodyPr/>
+                    <a:lstStyle/>
+                    <a:p>
+                      <a:r>
+                        <a:rPr lang="en-US" sz="1200">
+                          <a:latin typeface="Arial"/>
+                        </a:rPr>
+                        <a:t>39.6183</a:t>
+                      </a:r>
+                    </a:p>
+                  </a:txBody>
+                  <a:tcPr anchor="ctr">
+                    <a:lnL>
+                      <a:noFill/>
+                    </a:lnL>
+                    <a:lnR>
+                      <a:noFill/>
+                    </a:lnR>
+                    <a:lnT>
+                      <a:noFill/>
+                    </a:lnT>
+                    <a:lnB>
+                      <a:noFill/>
+                    </a:lnB>
+                    <a:solidFill>
+                      <a:srgbClr val="D0D8E8"/>
+                    </a:solidFill>
+                  </a:tcPr>
+                </a:tc>
+              </a:tr>
+              <a:tr h="254000">
+                <a:tc>
+                  <a:txBody>
+                    <a:bodyPr/>
+                    <a:lstStyle/>
+                    <a:p>
+                      <a:r>
+                        <a:rPr lang="en-US" sz="1200">
+                          <a:latin typeface="Arial"/>
+                        </a:rPr>
+                        <a:t>Prof-specialty</a:t>
+                      </a:r>
+                    </a:p>
+                  </a:txBody>
+                  <a:tcPr anchor="ctr">
+                    <a:lnL>
+                      <a:noFill/>
+                    </a:lnL>
+                    <a:lnR>
+                      <a:noFill/>
+                    </a:lnR>
+                    <a:lnT>
+                      <a:noFill/>
+                    </a:lnT>
+                    <a:lnB>
+                      <a:noFill/>
+                    </a:lnB>
+                    <a:solidFill>
+                      <a:srgbClr val="E9F7F4"/>
+                    </a:solidFill>
+                  </a:tcPr>
+                </a:tc>
+                <a:tc>
+                  <a:txBody>
+                    <a:bodyPr/>
+                    <a:lstStyle/>
+                    <a:p>
+                      <a:r>
+                        <a:rPr lang="en-US" sz="1200">
+                          <a:latin typeface="Arial"/>
+                        </a:rPr>
+                        <a:t>43.1796</a:t>
+                      </a:r>
+                    </a:p>
+                  </a:txBody>
+                  <a:tcPr anchor="ctr">
+                    <a:lnL>
+                      <a:noFill/>
+                    </a:lnL>
+                    <a:lnR>
+                      <a:noFill/>
+                    </a:lnR>
+                    <a:lnT>
+                      <a:noFill/>
+                    </a:lnT>
+                    <a:lnB>
+                      <a:noFill/>
+                    </a:lnB>
+                    <a:solidFill>
+                      <a:srgbClr val="E9F7F4"/>
+                    </a:solidFill>
+                  </a:tcPr>
+                </a:tc>
+                <a:tc>
+                  <a:txBody>
+                    <a:bodyPr/>
+                    <a:lstStyle/>
+                    <a:p>
+                      <a:r>
+                        <a:rPr lang="en-US" sz="1200">
+                          <a:latin typeface="Arial"/>
+                        </a:rPr>
+                        <a:t>50.7516</a:t>
+                      </a:r>
+                    </a:p>
+                  </a:txBody>
+                  <a:tcPr anchor="ctr">
+                    <a:lnL>
+                      <a:noFill/>
+                    </a:lnL>
+                    <a:lnR>
+                      <a:noFill/>
+                    </a:lnR>
+                    <a:lnT>
+                      <a:noFill/>
+                    </a:lnT>
+                    <a:lnB>
+                      <a:noFill/>
+                    </a:lnB>
+                    <a:solidFill>
+                      <a:srgbClr val="E9F7F4"/>
+                    </a:solidFill>
+                  </a:tcPr>
+                </a:tc>
+                <a:tc>
+                  <a:txBody>
+                    <a:bodyPr/>
+                    <a:lstStyle/>
+                    <a:p>
+                      <a:r>
+                        <a:rPr lang="en-US" sz="1200">
+                          <a:latin typeface="Arial"/>
+                        </a:rPr>
+                        <a:t>40.6650</a:t>
+                      </a:r>
+                    </a:p>
+                  </a:txBody>
+                  <a:tcPr anchor="ctr">
+                    <a:lnL>
+                      <a:noFill/>
+                    </a:lnL>
+                    <a:lnR>
+                      <a:noFill/>
+                    </a:lnR>
+                    <a:lnT>
+                      <a:noFill/>
+                    </a:lnT>
+                    <a:lnB>
+                      <a:noFill/>
+                    </a:lnB>
+                    <a:solidFill>
+                      <a:srgbClr val="E9F7F4"/>
+                    </a:solidFill>
+                  </a:tcPr>
+                </a:tc>
+                <a:tc>
+                  <a:txBody>
+                    <a:bodyPr/>
+                    <a:lstStyle/>
+                    <a:p>
+                      <a:r>
+                        <a:rPr lang="en-US" sz="1200">
+                          <a:latin typeface="Arial"/>
+                        </a:rPr>
+                        <a:t>42.2081</a:t>
+                      </a:r>
+                    </a:p>
+                  </a:txBody>
+                  <a:tcPr anchor="ctr">
+                    <a:lnL>
+                      <a:noFill/>
+                    </a:lnL>
+                    <a:lnR>
+                      <a:noFill/>
+                    </a:lnR>
+                    <a:lnT>
+                      <a:noFill/>
+                    </a:lnT>
+                    <a:lnB>
+                      <a:noFill/>
+                    </a:lnB>
+                    <a:solidFill>
+                      <a:srgbClr val="E9F7F4"/>
+                    </a:solidFill>
+                  </a:tcPr>
+                </a:tc>
+                <a:tc>
+                  <a:txBody>
+                    <a:bodyPr/>
+                    <a:lstStyle/>
+                    <a:p>
+                      <a:r>
+                        <a:rPr lang="en-US" sz="1200">
+                          <a:latin typeface="Arial"/>
+                        </a:rPr>
+                        <a:t>41.7178</a:t>
+                      </a:r>
+                    </a:p>
+                  </a:txBody>
+                  <a:tcPr anchor="ctr">
+                    <a:lnL>
+                      <a:noFill/>
+                    </a:lnL>
+                    <a:lnR>
+                      <a:noFill/>
+                    </a:lnR>
+                    <a:lnT>
+                      <a:noFill/>
+                    </a:lnT>
+                    <a:lnB>
+                      <a:noFill/>
+                    </a:lnB>
+                    <a:solidFill>
+                      <a:srgbClr val="E9F7F4"/>
+                    </a:solidFill>
+                  </a:tcPr>
+                </a:tc>
+                <a:tc>
+                  <a:txBody>
+                    <a:bodyPr/>
+                    <a:lstStyle/>
+                    <a:p>
+                      <a:r>
+                        <a:rPr lang="en-US" sz="1200">
+                          <a:latin typeface="Arial"/>
+                        </a:rPr>
+                        <a:t>42.1952</a:t>
+                      </a:r>
+                    </a:p>
+                  </a:txBody>
+                  <a:tcPr anchor="ctr">
+                    <a:lnL>
+                      <a:noFill/>
+                    </a:lnL>
+                    <a:lnR>
+                      <a:noFill/>
+                    </a:lnR>
+                    <a:lnT>
+                      <a:noFill/>
+                    </a:lnT>
+                    <a:lnB>
+                      <a:noFill/>
+                    </a:lnB>
+                    <a:solidFill>
+                      <a:srgbClr val="E9F7F4"/>
+                    </a:solidFill>
+                  </a:tcPr>
+                </a:tc>
+              </a:tr>
+              <a:tr h="254000">
+                <a:tc>
+                  <a:txBody>
+                    <a:bodyPr/>
+                    <a:lstStyle/>
+                    <a:p>
+                      <a:r>
+                        <a:rPr lang="en-US" sz="1200">
+                          <a:latin typeface="Arial"/>
+                        </a:rPr>
+                        <a:t>Adm-clerical</a:t>
+                      </a:r>
+                    </a:p>
+                  </a:txBody>
+                  <a:tcPr anchor="ctr">
+                    <a:lnL>
+                      <a:noFill/>
+                    </a:lnL>
+                    <a:lnR>
+                      <a:noFill/>
+                    </a:lnR>
+                    <a:lnT>
+                      <a:noFill/>
+                    </a:lnT>
+                    <a:lnB>
+                      <a:noFill/>
+                    </a:lnB>
+                    <a:solidFill>
+                      <a:srgbClr val="D0D8E8"/>
+                    </a:solidFill>
+                  </a:tcPr>
+                </a:tc>
+                <a:tc>
+                  <a:txBody>
+                    <a:bodyPr/>
+                    <a:lstStyle/>
+                    <a:p>
+                      <a:r>
+                        <a:rPr lang="en-US" sz="1200">
+                          <a:latin typeface="Arial"/>
+                        </a:rPr>
+                        <a:t>40.1551</a:t>
+                      </a:r>
+                    </a:p>
+                  </a:txBody>
+                  <a:tcPr anchor="ctr">
+                    <a:lnL>
+                      <a:noFill/>
+                    </a:lnL>
+                    <a:lnR>
+                      <a:noFill/>
+                    </a:lnR>
+                    <a:lnT>
+                      <a:noFill/>
+                    </a:lnT>
+                    <a:lnB>
+                      <a:noFill/>
+                    </a:lnB>
+                    <a:solidFill>
+                      <a:srgbClr val="D0D8E8"/>
+                    </a:solidFill>
+                  </a:tcPr>
+                </a:tc>
+                <a:tc>
+                  <a:txBody>
+                    <a:bodyPr/>
+                    <a:lstStyle/>
+                    <a:p>
+                      <a:r>
+                        <a:rPr lang="en-US" sz="1200">
+                          <a:latin typeface="Arial"/>
+                        </a:rPr>
+                        <a:t>38.7500</a:t>
+                      </a:r>
+                    </a:p>
+                  </a:txBody>
+                  <a:tcPr anchor="ctr">
+                    <a:lnL>
+                      <a:noFill/>
+                    </a:lnL>
+                    <a:lnR>
+                      <a:noFill/>
+                    </a:lnR>
+                    <a:lnT>
+                      <a:noFill/>
+                    </a:lnT>
+                    <a:lnB>
+                      <a:noFill/>
+                    </a:lnB>
+                    <a:solidFill>
+                      <a:srgbClr val="D0D8E8"/>
+                    </a:solidFill>
+                  </a:tcPr>
+                </a:tc>
+                <a:tc>
+                  <a:txBody>
+                    <a:bodyPr/>
+                    <a:lstStyle/>
+                    <a:p>
+                      <a:r>
+                        <a:rPr lang="en-US" sz="1200">
+                          <a:latin typeface="Arial"/>
+                        </a:rPr>
+                        <a:t>36.0558</a:t>
+                      </a:r>
+                    </a:p>
+                  </a:txBody>
+                  <a:tcPr anchor="ctr">
+                    <a:lnL>
+                      <a:noFill/>
+                    </a:lnL>
+                    <a:lnR>
+                      <a:noFill/>
+                    </a:lnR>
+                    <a:lnT>
+                      <a:noFill/>
+                    </a:lnT>
+                    <a:lnB>
+                      <a:noFill/>
+                    </a:lnB>
+                    <a:solidFill>
+                      <a:srgbClr val="D0D8E8"/>
+                    </a:solidFill>
+                  </a:tcPr>
+                </a:tc>
+                <a:tc>
+                  <a:txBody>
+                    <a:bodyPr/>
+                    <a:lstStyle/>
+                    <a:p>
+                      <a:r>
+                        <a:rPr lang="en-US" sz="1200">
+                          <a:latin typeface="Arial"/>
+                        </a:rPr>
+                        <a:t>36.6157</a:t>
+                      </a:r>
+                    </a:p>
+                  </a:txBody>
+                  <a:tcPr anchor="ctr">
+                    <a:lnL>
+                      <a:noFill/>
+                    </a:lnL>
+                    <a:lnR>
+                      <a:noFill/>
+                    </a:lnR>
+                    <a:lnT>
+                      <a:noFill/>
+                    </a:lnT>
+                    <a:lnB>
+                      <a:noFill/>
+                    </a:lnB>
+                    <a:solidFill>
+                      <a:srgbClr val="D0D8E8"/>
+                    </a:solidFill>
+                  </a:tcPr>
+                </a:tc>
+                <a:tc>
+                  <a:txBody>
+                    <a:bodyPr/>
+                    <a:lstStyle/>
+                    <a:p>
+                      <a:r>
+                        <a:rPr lang="en-US" sz="1200">
+                          <a:latin typeface="Arial"/>
+                        </a:rPr>
+                        <a:t>30.5918</a:t>
+                      </a:r>
+                    </a:p>
+                  </a:txBody>
+                  <a:tcPr anchor="ctr">
+                    <a:lnL>
+                      <a:noFill/>
+                    </a:lnL>
+                    <a:lnR>
+                      <a:noFill/>
+                    </a:lnR>
+                    <a:lnT>
+                      <a:noFill/>
+                    </a:lnT>
+                    <a:lnB>
+                      <a:noFill/>
+                    </a:lnB>
+                    <a:solidFill>
+                      <a:srgbClr val="D0D8E8"/>
+                    </a:solidFill>
+                  </a:tcPr>
+                </a:tc>
+                <a:tc>
+                  <a:txBody>
+                    <a:bodyPr/>
+                    <a:lstStyle/>
+                    <a:p>
+                      <a:r>
+                        <a:rPr lang="en-US" sz="1200">
+                          <a:latin typeface="Arial"/>
+                        </a:rPr>
+                        <a:t>37.6284</a:t>
+                      </a:r>
+                    </a:p>
+                  </a:txBody>
+                  <a:tcPr anchor="ctr">
+                    <a:lnL>
+                      <a:noFill/>
+                    </a:lnL>
+                    <a:lnR>
+                      <a:noFill/>
+                    </a:lnR>
+                    <a:lnT>
+                      <a:noFill/>
+                    </a:lnT>
+                    <a:lnB>
+                      <a:noFill/>
+                    </a:lnB>
+                    <a:solidFill>
+                      <a:srgbClr val="D0D8E8"/>
+                    </a:solidFill>
+                  </a:tcPr>
+                </a:tc>
+              </a:tr>
+              <a:tr h="254000">
+                <a:tc>
+                  <a:txBody>
+                    <a:bodyPr/>
+                    <a:lstStyle/>
+                    <a:p>
+                      <a:r>
+                        <a:rPr lang="en-US" sz="1200">
+                          <a:latin typeface="Arial"/>
+                        </a:rPr>
+                        <a:t>Other-service</a:t>
+                      </a:r>
+                    </a:p>
+                  </a:txBody>
+                  <a:tcPr anchor="ctr">
+                    <a:lnL>
+                      <a:noFill/>
+                    </a:lnL>
+                    <a:lnR>
+                      <a:noFill/>
+                    </a:lnR>
+                    <a:lnT>
+                      <a:noFill/>
+                    </a:lnT>
+                    <a:lnB>
+                      <a:noFill/>
+                    </a:lnB>
+                    <a:solidFill>
+                      <a:srgbClr val="E9F7F4"/>
+                    </a:solidFill>
+                  </a:tcPr>
+                </a:tc>
+                <a:tc>
+                  <a:txBody>
+                    <a:bodyPr/>
+                    <a:lstStyle/>
+                    <a:p>
+                      <a:r>
+                        <a:rPr lang="en-US" sz="1200">
+                          <a:latin typeface="Arial"/>
+                        </a:rPr>
+                        <a:t>36.5000</a:t>
+                      </a:r>
+                    </a:p>
+                  </a:txBody>
+                  <a:tcPr anchor="ctr">
+                    <a:lnL>
+                      <a:noFill/>
+                    </a:lnL>
+                    <a:lnR>
+                      <a:noFill/>
+                    </a:lnR>
+                    <a:lnT>
+                      <a:noFill/>
+                    </a:lnT>
+                    <a:lnB>
+                      <a:noFill/>
+                    </a:lnB>
+                    <a:solidFill>
+                      <a:srgbClr val="E9F7F4"/>
+                    </a:solidFill>
+                  </a:tcPr>
+                </a:tc>
+                <a:tc>
+                  <a:txBody>
+                    <a:bodyPr/>
+                    <a:lstStyle/>
+                    <a:p>
+                      <a:r>
+                        <a:rPr lang="en-US" sz="1200">
+                          <a:latin typeface="Arial"/>
+                        </a:rPr>
+                        <a:t>45.1852</a:t>
+                      </a:r>
+                    </a:p>
+                  </a:txBody>
+                  <a:tcPr anchor="ctr">
+                    <a:lnL>
+                      <a:noFill/>
+                    </a:lnL>
+                    <a:lnR>
+                      <a:noFill/>
+                    </a:lnR>
+                    <a:lnT>
+                      <a:noFill/>
+                    </a:lnT>
+                    <a:lnB>
+                      <a:noFill/>
+                    </a:lnB>
+                    <a:solidFill>
+                      <a:srgbClr val="E9F7F4"/>
+                    </a:solidFill>
+                  </a:tcPr>
+                </a:tc>
+                <a:tc>
+                  <a:txBody>
+                    <a:bodyPr/>
+                    <a:lstStyle/>
+                    <a:p>
+                      <a:r>
+                        <a:rPr lang="en-US" sz="1200">
+                          <a:latin typeface="Arial"/>
+                        </a:rPr>
+                        <a:t>34.7805</a:t>
+                      </a:r>
+                    </a:p>
+                  </a:txBody>
+                  <a:tcPr anchor="ctr">
+                    <a:lnL>
+                      <a:noFill/>
+                    </a:lnL>
+                    <a:lnR>
+                      <a:noFill/>
+                    </a:lnR>
+                    <a:lnT>
+                      <a:noFill/>
+                    </a:lnT>
+                    <a:lnB>
+                      <a:noFill/>
+                    </a:lnB>
+                    <a:solidFill>
+                      <a:srgbClr val="E9F7F4"/>
+                    </a:solidFill>
+                  </a:tcPr>
+                </a:tc>
+                <a:tc>
+                  <a:txBody>
+                    <a:bodyPr/>
+                    <a:lstStyle/>
+                    <a:p>
+                      <a:r>
+                        <a:rPr lang="en-US" sz="1200">
+                          <a:latin typeface="Arial"/>
+                        </a:rPr>
+                        <a:t>36.5026</a:t>
+                      </a:r>
+                    </a:p>
+                  </a:txBody>
+                  <a:tcPr anchor="ctr">
+                    <a:lnL>
+                      <a:noFill/>
+                    </a:lnL>
+                    <a:lnR>
+                      <a:noFill/>
+                    </a:lnR>
+                    <a:lnT>
+                      <a:noFill/>
+                    </a:lnT>
+                    <a:lnB>
+                      <a:noFill/>
+                    </a:lnB>
+                    <a:solidFill>
+                      <a:srgbClr val="E9F7F4"/>
+                    </a:solidFill>
+                  </a:tcPr>
+                </a:tc>
+                <a:tc>
+                  <a:txBody>
+                    <a:bodyPr/>
+                    <a:lstStyle/>
+                    <a:p>
+                      <a:r>
+                        <a:rPr lang="en-US" sz="1200">
+                          <a:latin typeface="Arial"/>
+                        </a:rPr>
+                        <a:t>39.1214</a:t>
+                      </a:r>
+                    </a:p>
+                  </a:txBody>
+                  <a:tcPr anchor="ctr">
+                    <a:lnL>
+                      <a:noFill/>
+                    </a:lnL>
+                    <a:lnR>
+                      <a:noFill/>
+                    </a:lnR>
+                    <a:lnT>
+                      <a:noFill/>
+                    </a:lnT>
+                    <a:lnB>
+                      <a:noFill/>
+                    </a:lnB>
+                    <a:solidFill>
+                      <a:srgbClr val="E9F7F4"/>
+                    </a:solidFill>
+                  </a:tcPr>
+                </a:tc>
+                <a:tc>
+                  <a:txBody>
+                    <a:bodyPr/>
+                    <a:lstStyle/>
+                    <a:p>
+                      <a:r>
+                        <a:rPr lang="en-US" sz="1200">
+                          <a:latin typeface="Arial"/>
+                        </a:rPr>
+                        <a:t>34.0308</a:t>
+                      </a:r>
+                    </a:p>
+                  </a:txBody>
+                  <a:tcPr anchor="ctr">
+                    <a:lnL>
+                      <a:noFill/>
+                    </a:lnL>
+                    <a:lnR>
+                      <a:noFill/>
+                    </a:lnR>
+                    <a:lnT>
+                      <a:noFill/>
+                    </a:lnT>
+                    <a:lnB>
+                      <a:noFill/>
+                    </a:lnB>
+                    <a:solidFill>
+                      <a:srgbClr val="E9F7F4"/>
+                    </a:solidFill>
+                  </a:tcPr>
+                </a:tc>
+              </a:tr>
+              <a:tr h="254000">
+                <a:tc>
+                  <a:txBody>
+                    <a:bodyPr/>
+                    <a:lstStyle/>
+                    <a:p>
+                      <a:r>
+                        <a:rPr lang="en-US" sz="1200">
+                          <a:latin typeface="Arial"/>
+                        </a:rPr>
+                        <a:t>Armed-Forces</a:t>
+                      </a:r>
+                    </a:p>
+                  </a:txBody>
+                  <a:tcPr anchor="ctr">
+                    <a:lnL>
+                      <a:noFill/>
+                    </a:lnL>
+                    <a:lnR>
+                      <a:noFill/>
+                    </a:lnR>
+                    <a:lnT>
+                      <a:noFill/>
+                    </a:lnT>
+                    <a:lnB>
+                      <a:noFill/>
+                    </a:lnB>
+                    <a:solidFill>
+                      <a:srgbClr val="D0D8E8"/>
+                    </a:solidFill>
+                  </a:tcPr>
+                </a:tc>
+                <a:tc>
+                  <a:txBody>
+                    <a:bodyPr/>
+                    <a:lstStyle/>
+                    <a:p>
+                      <a:r>
+                        <a:rPr lang="en-US" sz="1200">
+                          <a:latin typeface="Arial"/>
+                        </a:rPr>
+                        <a:t>40.6667</a:t>
+                      </a:r>
+                    </a:p>
+                  </a:txBody>
+                  <a:tcPr anchor="ctr">
+                    <a:lnL>
+                      <a:noFill/>
+                    </a:lnL>
+                    <a:lnR>
+                      <a:noFill/>
+                    </a:lnR>
+                    <a:lnT>
+                      <a:noFill/>
+                    </a:lnT>
+                    <a:lnB>
+                      <a:noFill/>
+                    </a:lnB>
+                    <a:solidFill>
+                      <a:srgbClr val="D0D8E8"/>
+                    </a:solidFill>
+                  </a:tcPr>
+                </a:tc>
+                <a:tc>
+                  <a:txBody>
+                    <a:bodyPr/>
+                    <a:lstStyle/>
+                    <a:p>
+                      <a:r>
+                        <a:rPr lang="en-US" sz="1200">
+                          <a:latin typeface="Arial"/>
+                        </a:rPr>
+                        <a:t/>
+                      </a:r>
+                    </a:p>
+                  </a:txBody>
+                  <a:tcPr anchor="ctr">
+                    <a:lnL>
+                      <a:noFill/>
+                    </a:lnL>
+                    <a:lnR>
+                      <a:noFill/>
+                    </a:lnR>
+                    <a:lnT>
+                      <a:noFill/>
+                    </a:lnT>
+                    <a:lnB>
+                      <a:noFill/>
+                    </a:lnB>
+                    <a:solidFill>
+                      <a:srgbClr val="D0D8E8"/>
+                    </a:solidFill>
+                  </a:tcPr>
+                </a:tc>
+                <a:tc>
+                  <a:txBody>
+                    <a:bodyPr/>
+                    <a:lstStyle/>
+                    <a:p>
+                      <a:r>
+                        <a:rPr lang="en-US" sz="1200">
+                          <a:latin typeface="Arial"/>
+                        </a:rPr>
+                        <a:t/>
+                      </a:r>
+                    </a:p>
+                  </a:txBody>
+                  <a:tcPr anchor="ctr">
+                    <a:lnL>
+                      <a:noFill/>
+                    </a:lnL>
+                    <a:lnR>
+                      <a:noFill/>
+                    </a:lnR>
+                    <a:lnT>
+                      <a:noFill/>
+                    </a:lnT>
+                    <a:lnB>
+                      <a:noFill/>
+                    </a:lnB>
+                    <a:solidFill>
+                      <a:srgbClr val="D0D8E8"/>
+                    </a:solidFill>
+                  </a:tcPr>
+                </a:tc>
+                <a:tc>
+                  <a:txBody>
+                    <a:bodyPr/>
+                    <a:lstStyle/>
+                    <a:p>
+                      <a:r>
+                        <a:rPr lang="en-US" sz="1200">
+                          <a:latin typeface="Arial"/>
+                        </a:rPr>
+                        <a:t/>
+                      </a:r>
+                    </a:p>
+                  </a:txBody>
+                  <a:tcPr anchor="ctr">
+                    <a:lnL>
+                      <a:noFill/>
+                    </a:lnL>
+                    <a:lnR>
+                      <a:noFill/>
+                    </a:lnR>
+                    <a:lnT>
+                      <a:noFill/>
+                    </a:lnT>
+                    <a:lnB>
+                      <a:noFill/>
+                    </a:lnB>
+                    <a:solidFill>
+                      <a:srgbClr val="D0D8E8"/>
+                    </a:solidFill>
+                  </a:tcPr>
+                </a:tc>
+                <a:tc>
+                  <a:txBody>
+                    <a:bodyPr/>
+                    <a:lstStyle/>
+                    <a:p>
+                      <a:r>
+                        <a:rPr lang="en-US" sz="1200">
+                          <a:latin typeface="Arial"/>
+                        </a:rPr>
+                        <a:t/>
+                      </a:r>
+                    </a:p>
+                  </a:txBody>
+                  <a:tcPr anchor="ctr">
+                    <a:lnL>
+                      <a:noFill/>
+                    </a:lnL>
+                    <a:lnR>
+                      <a:noFill/>
+                    </a:lnR>
+                    <a:lnT>
+                      <a:noFill/>
+                    </a:lnT>
+                    <a:lnB>
+                      <a:noFill/>
+                    </a:lnB>
+                    <a:solidFill>
+                      <a:srgbClr val="D0D8E8"/>
+                    </a:solidFill>
+                  </a:tcPr>
+                </a:tc>
+                <a:tc>
+                  <a:txBody>
+                    <a:bodyPr/>
+                    <a:lstStyle/>
+                    <a:p>
+                      <a:r>
+                        <a:rPr lang="en-US" sz="1200">
+                          <a:latin typeface="Arial"/>
+                        </a:rPr>
+                        <a:t/>
+                      </a:r>
+                    </a:p>
+                  </a:txBody>
+                  <a:tcPr anchor="ctr">
+                    <a:lnL>
+                      <a:noFill/>
+                    </a:lnL>
+                    <a:lnR>
+                      <a:noFill/>
+                    </a:lnR>
+                    <a:lnT>
+                      <a:noFill/>
+                    </a:lnT>
+                    <a:lnB>
+                      <a:noFill/>
+                    </a:lnB>
+                    <a:solidFill>
+                      <a:srgbClr val="D0D8E8"/>
+                    </a:solidFill>
+                  </a:tcPr>
+                </a:tc>
+              </a:tr>
+              <a:tr h="254000">
+                <a:tc>
+                  <a:txBody>
+                    <a:bodyPr/>
+                    <a:lstStyle/>
+                    <a:p>
+                      <a:r>
+                        <a:rPr lang="en-US" sz="1200">
+                          <a:latin typeface="Arial"/>
+                        </a:rPr>
+                        <a:t>Exec-managerial</a:t>
+                      </a:r>
+                    </a:p>
+                  </a:txBody>
+                  <a:tcPr anchor="ctr">
+                    <a:lnL>
+                      <a:noFill/>
+                    </a:lnL>
+                    <a:lnR>
+                      <a:noFill/>
+                    </a:lnR>
+                    <a:lnT>
+                      <a:noFill/>
+                    </a:lnT>
+                    <a:lnB>
+                      <a:noFill/>
+                    </a:lnB>
+                    <a:solidFill>
+                      <a:srgbClr val="E9F7F4"/>
+                    </a:solidFill>
+                  </a:tcPr>
+                </a:tc>
+                <a:tc>
+                  <a:txBody>
+                    <a:bodyPr/>
+                    <a:lstStyle/>
+                    <a:p>
+                      <a:r>
+                        <a:rPr lang="en-US" sz="1200">
+                          <a:latin typeface="Arial"/>
+                        </a:rPr>
+                        <a:t>42.5028</a:t>
+                      </a:r>
+                    </a:p>
+                  </a:txBody>
+                  <a:tcPr anchor="ctr">
+                    <a:lnL>
+                      <a:noFill/>
+                    </a:lnL>
+                    <a:lnR>
+                      <a:noFill/>
+                    </a:lnR>
+                    <a:lnT>
+                      <a:noFill/>
+                    </a:lnT>
+                    <a:lnB>
+                      <a:noFill/>
+                    </a:lnB>
+                    <a:solidFill>
+                      <a:srgbClr val="E9F7F4"/>
+                    </a:solidFill>
+                  </a:tcPr>
+                </a:tc>
+                <a:tc>
+                  <a:txBody>
+                    <a:bodyPr/>
+                    <a:lstStyle/>
+                    <a:p>
+                      <a:r>
+                        <a:rPr lang="en-US" sz="1200">
+                          <a:latin typeface="Arial"/>
+                        </a:rPr>
+                        <a:t>49.1844</a:t>
+                      </a:r>
+                    </a:p>
+                  </a:txBody>
+                  <a:tcPr anchor="ctr">
+                    <a:lnL>
+                      <a:noFill/>
+                    </a:lnL>
+                    <a:lnR>
+                      <a:noFill/>
+                    </a:lnR>
+                    <a:lnT>
+                      <a:noFill/>
+                    </a:lnT>
+                    <a:lnB>
+                      <a:noFill/>
+                    </a:lnB>
+                    <a:solidFill>
+                      <a:srgbClr val="E9F7F4"/>
+                    </a:solidFill>
+                  </a:tcPr>
+                </a:tc>
+                <a:tc>
+                  <a:txBody>
+                    <a:bodyPr/>
+                    <a:lstStyle/>
+                    <a:p>
+                      <a:r>
+                        <a:rPr lang="en-US" sz="1200">
+                          <a:latin typeface="Arial"/>
+                        </a:rPr>
+                        <a:t>41.9731</a:t>
+                      </a:r>
+                    </a:p>
+                  </a:txBody>
+                  <a:tcPr anchor="ctr">
+                    <a:lnL>
+                      <a:noFill/>
+                    </a:lnL>
+                    <a:lnR>
+                      <a:noFill/>
+                    </a:lnR>
+                    <a:lnT>
+                      <a:noFill/>
+                    </a:lnT>
+                    <a:lnB>
+                      <a:noFill/>
+                    </a:lnB>
+                    <a:solidFill>
+                      <a:srgbClr val="E9F7F4"/>
+                    </a:solidFill>
+                  </a:tcPr>
+                </a:tc>
+                <a:tc>
+                  <a:txBody>
+                    <a:bodyPr/>
+                    <a:lstStyle/>
+                    <a:p>
+                      <a:r>
+                        <a:rPr lang="en-US" sz="1200">
+                          <a:latin typeface="Arial"/>
+                        </a:rPr>
+                        <a:t>43.3349</a:t>
+                      </a:r>
+                    </a:p>
+                  </a:txBody>
+                  <a:tcPr anchor="ctr">
+                    <a:lnL>
+                      <a:noFill/>
+                    </a:lnL>
+                    <a:lnR>
+                      <a:noFill/>
+                    </a:lnR>
+                    <a:lnT>
+                      <a:noFill/>
+                    </a:lnT>
+                    <a:lnB>
+                      <a:noFill/>
+                    </a:lnB>
+                    <a:solidFill>
+                      <a:srgbClr val="E9F7F4"/>
+                    </a:solidFill>
+                  </a:tcPr>
+                </a:tc>
+                <a:tc>
+                  <a:txBody>
+                    <a:bodyPr/>
+                    <a:lstStyle/>
+                    <a:p>
+                      <a:r>
+                        <a:rPr lang="en-US" sz="1200">
+                          <a:latin typeface="Arial"/>
+                        </a:rPr>
+                        <a:t>45.1279</a:t>
+                      </a:r>
+                    </a:p>
+                  </a:txBody>
+                  <a:tcPr anchor="ctr">
+                    <a:lnL>
+                      <a:noFill/>
+                    </a:lnL>
+                    <a:lnR>
+                      <a:noFill/>
+                    </a:lnR>
+                    <a:lnT>
+                      <a:noFill/>
+                    </a:lnT>
+                    <a:lnB>
+                      <a:noFill/>
+                    </a:lnB>
+                    <a:solidFill>
+                      <a:srgbClr val="E9F7F4"/>
+                    </a:solidFill>
+                  </a:tcPr>
+                </a:tc>
+                <a:tc>
+                  <a:txBody>
+                    <a:bodyPr/>
+                    <a:lstStyle/>
+                    <a:p>
+                      <a:r>
+                        <a:rPr lang="en-US" sz="1200">
+                          <a:latin typeface="Arial"/>
+                        </a:rPr>
+                        <a:t>44.8379</a:t>
+                      </a:r>
+                    </a:p>
+                  </a:txBody>
+                  <a:tcPr anchor="ctr">
+                    <a:lnL>
+                      <a:noFill/>
+                    </a:lnL>
+                    <a:lnR>
+                      <a:noFill/>
+                    </a:lnR>
+                    <a:lnT>
+                      <a:noFill/>
+                    </a:lnT>
+                    <a:lnB>
+                      <a:noFill/>
+                    </a:lnB>
+                    <a:solidFill>
+                      <a:srgbClr val="E9F7F4"/>
+                    </a:solidFill>
+                  </a:tcPr>
+                </a:tc>
+              </a:tr>
+              <a:tr h="254000">
+                <a:tc>
+                  <a:txBody>
+                    <a:bodyPr/>
+                    <a:lstStyle/>
+                    <a:p>
+                      <a:r>
+                        <a:rPr lang="en-US" sz="1200">
+                          <a:latin typeface="Arial"/>
+                        </a:rPr>
+                        <a:t>Farming-fishing</a:t>
+                      </a:r>
+                    </a:p>
+                  </a:txBody>
+                  <a:tcPr anchor="ctr">
+                    <a:lnL>
+                      <a:noFill/>
+                    </a:lnL>
+                    <a:lnR>
+                      <a:noFill/>
+                    </a:lnR>
+                    <a:lnT>
+                      <a:noFill/>
+                    </a:lnT>
+                    <a:lnB>
+                      <a:noFill/>
+                    </a:lnB>
+                    <a:solidFill>
+                      <a:srgbClr val="D0D8E8"/>
+                    </a:solidFill>
+                  </a:tcPr>
+                </a:tc>
+                <a:tc>
+                  <a:txBody>
+                    <a:bodyPr/>
+                    <a:lstStyle/>
+                    <a:p>
+                      <a:r>
+                        <a:rPr lang="en-US" sz="1200">
+                          <a:latin typeface="Arial"/>
+                        </a:rPr>
+                        <a:t>40.0000</a:t>
+                      </a:r>
+                    </a:p>
+                  </a:txBody>
+                  <a:tcPr anchor="ctr">
+                    <a:lnL>
+                      <a:noFill/>
+                    </a:lnL>
+                    <a:lnR>
+                      <a:noFill/>
+                    </a:lnR>
+                    <a:lnT>
+                      <a:noFill/>
+                    </a:lnT>
+                    <a:lnB>
+                      <a:noFill/>
+                    </a:lnB>
+                    <a:solidFill>
+                      <a:srgbClr val="D0D8E8"/>
+                    </a:solidFill>
+                  </a:tcPr>
+                </a:tc>
+                <a:tc>
+                  <a:txBody>
+                    <a:bodyPr/>
+                    <a:lstStyle/>
+                    <a:p>
+                      <a:r>
+                        <a:rPr lang="en-US" sz="1200">
+                          <a:latin typeface="Arial"/>
+                        </a:rPr>
+                        <a:t>51.3529</a:t>
+                      </a:r>
+                    </a:p>
+                  </a:txBody>
+                  <a:tcPr anchor="ctr">
+                    <a:lnL>
+                      <a:noFill/>
+                    </a:lnL>
+                    <a:lnR>
+                      <a:noFill/>
+                    </a:lnR>
+                    <a:lnT>
+                      <a:noFill/>
+                    </a:lnT>
+                    <a:lnB>
+                      <a:noFill/>
+                    </a:lnB>
+                    <a:solidFill>
+                      <a:srgbClr val="D0D8E8"/>
+                    </a:solidFill>
+                  </a:tcPr>
+                </a:tc>
+                <a:tc>
+                  <a:txBody>
+                    <a:bodyPr/>
+                    <a:lstStyle/>
+                    <a:p>
+                      <a:r>
+                        <a:rPr lang="en-US" sz="1200">
+                          <a:latin typeface="Arial"/>
+                        </a:rPr>
+                        <a:t>37.3333</a:t>
+                      </a:r>
+                    </a:p>
+                  </a:txBody>
+                  <a:tcPr anchor="ctr">
+                    <a:lnL>
+                      <a:noFill/>
+                    </a:lnL>
+                    <a:lnR>
+                      <a:noFill/>
+                    </a:lnR>
+                    <a:lnT>
+                      <a:noFill/>
+                    </a:lnT>
+                    <a:lnB>
+                      <a:noFill/>
+                    </a:lnB>
+                    <a:solidFill>
+                      <a:srgbClr val="D0D8E8"/>
+                    </a:solidFill>
+                  </a:tcPr>
+                </a:tc>
+                <a:tc>
+                  <a:txBody>
+                    <a:bodyPr/>
+                    <a:lstStyle/>
+                    <a:p>
+                      <a:r>
+                        <a:rPr lang="en-US" sz="1200">
+                          <a:latin typeface="Arial"/>
+                        </a:rPr>
+                        <a:t>39.4828</a:t>
+                      </a:r>
+                    </a:p>
+                  </a:txBody>
+                  <a:tcPr anchor="ctr">
+                    <a:lnL>
+                      <a:noFill/>
+                    </a:lnL>
+                    <a:lnR>
+                      <a:noFill/>
+                    </a:lnR>
+                    <a:lnT>
+                      <a:noFill/>
+                    </a:lnT>
+                    <a:lnB>
+                      <a:noFill/>
+                    </a:lnB>
+                    <a:solidFill>
+                      <a:srgbClr val="D0D8E8"/>
+                    </a:solidFill>
+                  </a:tcPr>
+                </a:tc>
+                <a:tc>
+                  <a:txBody>
+                    <a:bodyPr/>
+                    <a:lstStyle/>
+                    <a:p>
+                      <a:r>
+                        <a:rPr lang="en-US" sz="1200">
+                          <a:latin typeface="Arial"/>
+                        </a:rPr>
+                        <a:t>51.4977</a:t>
+                      </a:r>
+                    </a:p>
+                  </a:txBody>
+                  <a:tcPr anchor="ctr">
+                    <a:lnL>
+                      <a:noFill/>
+                    </a:lnL>
+                    <a:lnR>
+                      <a:noFill/>
+                    </a:lnR>
+                    <a:lnT>
+                      <a:noFill/>
+                    </a:lnT>
+                    <a:lnB>
+                      <a:noFill/>
+                    </a:lnB>
+                    <a:solidFill>
+                      <a:srgbClr val="D0D8E8"/>
+                    </a:solidFill>
+                  </a:tcPr>
+                </a:tc>
+                <a:tc>
+                  <a:txBody>
+                    <a:bodyPr/>
+                    <a:lstStyle/>
+                    <a:p>
+                      <a:r>
+                        <a:rPr lang="en-US" sz="1200">
+                          <a:latin typeface="Arial"/>
+                        </a:rPr>
+                        <a:t>43.2578</a:t>
+                      </a:r>
+                    </a:p>
+                  </a:txBody>
+                  <a:tcPr anchor="ctr">
+                    <a:lnL>
+                      <a:noFill/>
+                    </a:lnL>
+                    <a:lnR>
+                      <a:noFill/>
+                    </a:lnR>
+                    <a:lnT>
+                      <a:noFill/>
+                    </a:lnT>
+                    <a:lnB>
+                      <a:noFill/>
+                    </a:lnB>
+                    <a:solidFill>
+                      <a:srgbClr val="D0D8E8"/>
+                    </a:solidFill>
+                  </a:tcPr>
+                </a:tc>
+              </a:tr>
+            </a:tbl>
+          </a:graphicData>
+        </a:graphic>
+      </p:graphicFrame>
+      <p:pic>
+        <p:nvPicPr>
+          <p:cNvPr id="4" name="IS3TUDT.wav">
+            <a:hlinkClick r:id="" action="ppaction://media"/>
+          </p:cNvPr>
+          <p:cNvPicPr>
+            <a:picLocks noChangeAspect="1"/>
+          </p:cNvPicPr>
+          <p:nvPr>
+            <a:audioFile r:link="rId4"/>
+            <p:extLst>
+              <p:ext uri="{DAA4B4D4-6D71-4841-9C94-3DE7FCFB9230}">
+                <p14:media xmlns:p14="http://schemas.microsoft.com/office/powerpoint/2010/main" r:embed="rId3"/>
+              </p:ext>
+            </p:extLst>
+          </p:nvPr>
+        </p:nvPicPr>
+        <p:blipFill>
+          <a:blip r:embed="rId5"/>
+          <a:stretch>
+            <a:fillRect/>
+          </a:stretch>
+        </p:blipFill>
+        <p:spPr>
+          <a:xfrm>
+            <a:off x="0" y="0"/>
+            <a:ext cx="609600" cy="609600"/>
+          </a:xfrm>
+          <a:prstGeom prst="rect">
+            <a:avLst/>
+          </a:prstGeom>
+        </p:spPr>
+      </p:pic>
+    </p:spTree>
+  </p:cSld>
+  <p:clrMapOvr>
+    <a:masterClrMapping/>
+  </p:clrMapOvr>
+  <mc:AlternateContent xmlns:mc="http://schemas.openxmlformats.org/markup-compatibility/2006">
+    <mc:Choice xmlns:p14="http://schemas.microsoft.com/office/powerpoint/2010/main" Requires="p14">
+      <p:transition p14:dur="100" advClick="0" advTm="10000">
+        <p:cut/>
+      </p:transition>
+    </mc:Choice>
+    <mc:Fallback>
+      <p:transition advClick="0" advTm="10000">
+        <p:cut/>
+      </p:transition>
+    </mc:Fallback>
+  </mc:AlternateContent>
+  <p:timing>
+    <p:tnLst>
+      <p:par>
+        <p:cTn id="1" dur="indefinite" restart="never" nodeType="tmRoot">
+          <p:childTnLst>
+            <p:seq concurrent="1" nextAc="seek">
+              <p:cTn id="2" dur="indefinite" nodeType="mainSeq">
+                <p:childTnLst>
+                  <p:par>
+                    <p:cTn id="3" fill="hold">
+                      <p:stCondLst>
+                        <p:cond delay="indefinite"/>
+                        <p:cond evt="onBegin" delay="0">
+                          <p:tn val="2"/>
+                        </p:cond>
+                      </p:stCondLst>
+                      <p:childTnLst>
+                        <p:par>
+                          <p:cTn id="4" fill="hold">
+                            <p:stCondLst>
+                              <p:cond delay="0"/>
+                            </p:stCondLst>
+                            <p:childTnLst>
+                              <p:par>
+                                <p:cTn id="5" presetID="1" presetClass="mediacall" presetSubtype="0" fill="hold" nodeType="afterEffect">
+                                  <p:stCondLst>
+                                    <p:cond delay="0"/>
+                                  </p:stCondLst>
+                                  <p:childTnLst>
+                                    <p:cmd type="call" cmd="playFrom(0.0)">
+                                      <p:cBhvr>
+                                        <p:cTn id="6" dur="4169" fill="hold"/>
+                                        <p:tgtEl>
+                                          <p:spTgt spid="4"/>
+                                        </p:tgtEl>
+                                      </p:cBhvr>
+                                    </p:cmd>
+                                  </p:childTnLst>
+                                </p:cTn>
+                              </p:par>
+                            </p:childTnLst>
+                          </p:cTn>
+                        </p:par>
+                      </p:childTnLst>
+                    </p:cTn>
+                  </p:par>
+                </p:childTnLst>
+              </p:cTn>
+              <p:prevCondLst>
+                <p:cond evt="onPrev" delay="0">
+                  <p:tgtEl>
+                    <p:sldTgt/>
+                  </p:tgtEl>
+                </p:cond>
+              </p:prevCondLst>
+              <p:nextCondLst>
+                <p:cond evt="onNext" delay="0">
+                  <p:tgtEl>
+                    <p:sldTgt/>
+                  </p:tgtEl>
+                </p:cond>
+              </p:nextCondLst>
+            </p:seq>
+            <p:audio>
+              <p:cMediaNode vol="100000">
+                <p:cTn id="7" fill="hold" display="0">
+                  <p:stCondLst>
+                    <p:cond delay="indefinite"/>
+                  </p:stCondLst>
+                  <p:endCondLst>
+                    <p:cond evt="onStopAudio" delay="0">
+                      <p:tgtEl>
+                        <p:sldTgt/>
+                      </p:tgtEl>
+                    </p:cond>
+                  </p:endCondLst>
+                </p:cTn>
+                <p:tgtEl>
+                  <p:spTgt spid="4"/>
+                </p:tgtEl>
+              </p:cMediaNode>
+            </p:audio>
+          </p:childTnLst>
+        </p:cTn>
+      </p:par>
+    </p:tnLst>
+  </p:timing>
+</p:sld>
+</file>
+
+<file path=ppt\tableStyles.xml><?xml version="1.0" encoding="utf-8"?>
+<a:tblStyleLst xmlns:a="http://schemas.openxmlformats.org/drawingml/2006/main" def="{5C22544A-7EE6-4342-B048-85BDC9FD1C3A}"/>
+</file>
+
+<file path=ppt\theme\theme1.xml><?xml version="1.0" encoding="utf-8"?>
 <a:theme xmlns:a="http://schemas.openxmlformats.org/drawingml/2006/main" name="Office Theme">
   <a:themeElements>
     <a:clrScheme name="Office">
@@ -3843,7 +8509,7 @@
 </a:theme>
 </file>
 
-<file path=ppt/theme/theme2.xml><?xml version="1.0" encoding="utf-8"?>
+<file path=ppt\theme\theme2.xml><?xml version="1.0" encoding="utf-8"?>
 <a:theme xmlns:a="http://schemas.openxmlformats.org/drawingml/2006/main" name="Office Theme">
   <a:themeElements>
     <a:clrScheme name="Office">
@@ -4126,4 +8792,38 @@
   <a:objectDefaults/>
   <a:extraClrSchemeLst/>
 </a:theme>
+</file>
+
+<file path=ppt\viewProps.xml><?xml version="1.0" encoding="utf-8"?>
+<p:viewPr xmlns:a="http://schemas.openxmlformats.org/drawingml/2006/main" xmlns:r="http://schemas.openxmlformats.org/officeDocument/2006/relationships" xmlns:p="http://schemas.openxmlformats.org/presentationml/2006/main" lastView="sldThumbnailView">
+  <p:normalViewPr>
+    <p:restoredLeft sz="15620"/>
+    <p:restoredTop sz="94660"/>
+  </p:normalViewPr>
+  <p:slideViewPr>
+    <p:cSldViewPr>
+      <p:cViewPr varScale="1">
+        <p:scale>
+          <a:sx n="69" d="100"/>
+          <a:sy n="69" d="100"/>
+        </p:scale>
+        <p:origin x="-534" y="-90"/>
+      </p:cViewPr>
+      <p:guideLst>
+        <p:guide orient="horz" pos="2160"/>
+        <p:guide pos="2880"/>
+      </p:guideLst>
+    </p:cSldViewPr>
+  </p:slideViewPr>
+  <p:notesTextViewPr>
+    <p:cViewPr>
+      <p:scale>
+        <a:sx n="100" d="100"/>
+        <a:sy n="100" d="100"/>
+      </p:scale>
+      <p:origin x="0" y="0"/>
+    </p:cViewPr>
+  </p:notesTextViewPr>
+  <p:gridSpacing cx="76200" cy="76200"/>
+</p:viewPr>
 </file>